--- a/document/ERD.pptx
+++ b/document/ERD.pptx
@@ -244,7 +244,7 @@
           <a:p>
             <a:fld id="{526F4A86-3BAF-4D1F-98A6-8BF7B13258EB}" type="datetimeFigureOut">
               <a:rPr lang="ko-KR" altLang="en-US" smtClean="0"/>
-              <a:t>2018-04-04</a:t>
+              <a:t>2018-04-11</a:t>
             </a:fld>
             <a:endParaRPr lang="ko-KR" altLang="en-US"/>
           </a:p>
@@ -414,7 +414,7 @@
           <a:p>
             <a:fld id="{526F4A86-3BAF-4D1F-98A6-8BF7B13258EB}" type="datetimeFigureOut">
               <a:rPr lang="ko-KR" altLang="en-US" smtClean="0"/>
-              <a:t>2018-04-04</a:t>
+              <a:t>2018-04-11</a:t>
             </a:fld>
             <a:endParaRPr lang="ko-KR" altLang="en-US"/>
           </a:p>
@@ -594,7 +594,7 @@
           <a:p>
             <a:fld id="{526F4A86-3BAF-4D1F-98A6-8BF7B13258EB}" type="datetimeFigureOut">
               <a:rPr lang="ko-KR" altLang="en-US" smtClean="0"/>
-              <a:t>2018-04-04</a:t>
+              <a:t>2018-04-11</a:t>
             </a:fld>
             <a:endParaRPr lang="ko-KR" altLang="en-US"/>
           </a:p>
@@ -764,7 +764,7 @@
           <a:p>
             <a:fld id="{526F4A86-3BAF-4D1F-98A6-8BF7B13258EB}" type="datetimeFigureOut">
               <a:rPr lang="ko-KR" altLang="en-US" smtClean="0"/>
-              <a:t>2018-04-04</a:t>
+              <a:t>2018-04-11</a:t>
             </a:fld>
             <a:endParaRPr lang="ko-KR" altLang="en-US"/>
           </a:p>
@@ -1010,7 +1010,7 @@
           <a:p>
             <a:fld id="{526F4A86-3BAF-4D1F-98A6-8BF7B13258EB}" type="datetimeFigureOut">
               <a:rPr lang="ko-KR" altLang="en-US" smtClean="0"/>
-              <a:t>2018-04-04</a:t>
+              <a:t>2018-04-11</a:t>
             </a:fld>
             <a:endParaRPr lang="ko-KR" altLang="en-US"/>
           </a:p>
@@ -1242,7 +1242,7 @@
           <a:p>
             <a:fld id="{526F4A86-3BAF-4D1F-98A6-8BF7B13258EB}" type="datetimeFigureOut">
               <a:rPr lang="ko-KR" altLang="en-US" smtClean="0"/>
-              <a:t>2018-04-04</a:t>
+              <a:t>2018-04-11</a:t>
             </a:fld>
             <a:endParaRPr lang="ko-KR" altLang="en-US"/>
           </a:p>
@@ -1609,7 +1609,7 @@
           <a:p>
             <a:fld id="{526F4A86-3BAF-4D1F-98A6-8BF7B13258EB}" type="datetimeFigureOut">
               <a:rPr lang="ko-KR" altLang="en-US" smtClean="0"/>
-              <a:t>2018-04-04</a:t>
+              <a:t>2018-04-11</a:t>
             </a:fld>
             <a:endParaRPr lang="ko-KR" altLang="en-US"/>
           </a:p>
@@ -1727,7 +1727,7 @@
           <a:p>
             <a:fld id="{526F4A86-3BAF-4D1F-98A6-8BF7B13258EB}" type="datetimeFigureOut">
               <a:rPr lang="ko-KR" altLang="en-US" smtClean="0"/>
-              <a:t>2018-04-04</a:t>
+              <a:t>2018-04-11</a:t>
             </a:fld>
             <a:endParaRPr lang="ko-KR" altLang="en-US"/>
           </a:p>
@@ -1822,7 +1822,7 @@
           <a:p>
             <a:fld id="{526F4A86-3BAF-4D1F-98A6-8BF7B13258EB}" type="datetimeFigureOut">
               <a:rPr lang="ko-KR" altLang="en-US" smtClean="0"/>
-              <a:t>2018-04-04</a:t>
+              <a:t>2018-04-11</a:t>
             </a:fld>
             <a:endParaRPr lang="ko-KR" altLang="en-US"/>
           </a:p>
@@ -2099,7 +2099,7 @@
           <a:p>
             <a:fld id="{526F4A86-3BAF-4D1F-98A6-8BF7B13258EB}" type="datetimeFigureOut">
               <a:rPr lang="ko-KR" altLang="en-US" smtClean="0"/>
-              <a:t>2018-04-04</a:t>
+              <a:t>2018-04-11</a:t>
             </a:fld>
             <a:endParaRPr lang="ko-KR" altLang="en-US"/>
           </a:p>
@@ -2352,7 +2352,7 @@
           <a:p>
             <a:fld id="{526F4A86-3BAF-4D1F-98A6-8BF7B13258EB}" type="datetimeFigureOut">
               <a:rPr lang="ko-KR" altLang="en-US" smtClean="0"/>
-              <a:t>2018-04-04</a:t>
+              <a:t>2018-04-11</a:t>
             </a:fld>
             <a:endParaRPr lang="ko-KR" altLang="en-US"/>
           </a:p>
@@ -2565,7 +2565,7 @@
           <a:p>
             <a:fld id="{526F4A86-3BAF-4D1F-98A6-8BF7B13258EB}" type="datetimeFigureOut">
               <a:rPr lang="ko-KR" altLang="en-US" smtClean="0"/>
-              <a:t>2018-04-04</a:t>
+              <a:t>2018-04-11</a:t>
             </a:fld>
             <a:endParaRPr lang="ko-KR" altLang="en-US"/>
           </a:p>
@@ -3119,7 +3119,7 @@
         </p:nvSpPr>
         <p:spPr>
           <a:xfrm>
-            <a:off x="3894932" y="3069663"/>
+            <a:off x="1426112" y="4022381"/>
             <a:ext cx="1219200" cy="609600"/>
           </a:xfrm>
           <a:prstGeom prst="rect">
@@ -3213,7 +3213,7 @@
         </p:nvSpPr>
         <p:spPr>
           <a:xfrm>
-            <a:off x="878167" y="3148691"/>
+            <a:off x="4803144" y="3096276"/>
             <a:ext cx="1219200" cy="609600"/>
           </a:xfrm>
           <a:prstGeom prst="rect">
@@ -3260,7 +3260,7 @@
         </p:nvSpPr>
         <p:spPr>
           <a:xfrm>
-            <a:off x="5665355" y="3808652"/>
+            <a:off x="8506115" y="4886685"/>
             <a:ext cx="1219200" cy="609600"/>
           </a:xfrm>
           <a:prstGeom prst="rect">
@@ -3307,7 +3307,7 @@
         </p:nvSpPr>
         <p:spPr>
           <a:xfrm>
-            <a:off x="7268596" y="2196934"/>
+            <a:off x="9043612" y="3206783"/>
             <a:ext cx="2080735" cy="609600"/>
           </a:xfrm>
           <a:prstGeom prst="rect">
@@ -3341,53 +3341,6 @@
             <a:r>
               <a:rPr lang="ko-KR" altLang="en-US" smtClean="0"/>
               <a:t>육아일기 스토리</a:t>
-            </a:r>
-            <a:endParaRPr lang="ko-KR" altLang="en-US" dirty="0"/>
-          </a:p>
-        </p:txBody>
-      </p:sp>
-      <p:sp>
-        <p:nvSpPr>
-          <p:cNvPr id="14" name="직사각형 13"/>
-          <p:cNvSpPr/>
-          <p:nvPr/>
-        </p:nvSpPr>
-        <p:spPr>
-          <a:xfrm>
-            <a:off x="10090168" y="4075899"/>
-            <a:ext cx="1219200" cy="609600"/>
-          </a:xfrm>
-          <a:prstGeom prst="rect">
-            <a:avLst/>
-          </a:prstGeom>
-          <a:ln>
-            <a:noFill/>
-          </a:ln>
-        </p:spPr>
-        <p:style>
-          <a:lnRef idx="2">
-            <a:schemeClr val="accent1">
-              <a:shade val="50000"/>
-            </a:schemeClr>
-          </a:lnRef>
-          <a:fillRef idx="1">
-            <a:schemeClr val="accent1"/>
-          </a:fillRef>
-          <a:effectRef idx="0">
-            <a:schemeClr val="accent1"/>
-          </a:effectRef>
-          <a:fontRef idx="minor">
-            <a:schemeClr val="lt1"/>
-          </a:fontRef>
-        </p:style>
-        <p:txBody>
-          <a:bodyPr rtlCol="0" anchor="ctr"/>
-          <a:lstStyle/>
-          <a:p>
-            <a:pPr algn="ctr"/>
-            <a:r>
-              <a:rPr lang="ko-KR" altLang="en-US" dirty="0" smtClean="0"/>
-              <a:t>알림</a:t>
             </a:r>
             <a:endParaRPr lang="ko-KR" altLang="en-US" dirty="0"/>
           </a:p>
@@ -4096,7 +4049,7 @@
         </p:nvSpPr>
         <p:spPr>
           <a:xfrm>
-            <a:off x="145259" y="4035391"/>
+            <a:off x="3585745" y="4049266"/>
             <a:ext cx="814845" cy="690619"/>
           </a:xfrm>
           <a:prstGeom prst="ellipse">
@@ -4148,7 +4101,7 @@
         </p:nvSpPr>
         <p:spPr>
           <a:xfrm>
-            <a:off x="1080815" y="4035390"/>
+            <a:off x="4521301" y="4049265"/>
             <a:ext cx="814845" cy="690619"/>
           </a:xfrm>
           <a:prstGeom prst="ellipse">
@@ -4200,7 +4153,7 @@
         </p:nvSpPr>
         <p:spPr>
           <a:xfrm>
-            <a:off x="1998231" y="4035390"/>
+            <a:off x="5438717" y="4049265"/>
             <a:ext cx="814845" cy="690619"/>
           </a:xfrm>
           <a:prstGeom prst="ellipse">
@@ -4252,7 +4205,7 @@
         </p:nvSpPr>
         <p:spPr>
           <a:xfrm>
-            <a:off x="6500198" y="2984874"/>
+            <a:off x="8275214" y="3994723"/>
             <a:ext cx="814845" cy="690619"/>
           </a:xfrm>
           <a:prstGeom prst="ellipse">
@@ -4304,7 +4257,7 @@
         </p:nvSpPr>
         <p:spPr>
           <a:xfrm>
-            <a:off x="7420172" y="2984874"/>
+            <a:off x="9195188" y="3994723"/>
             <a:ext cx="814845" cy="690619"/>
           </a:xfrm>
           <a:prstGeom prst="ellipse">
@@ -4356,7 +4309,7 @@
         </p:nvSpPr>
         <p:spPr>
           <a:xfrm>
-            <a:off x="8340650" y="2984874"/>
+            <a:off x="10115666" y="3994723"/>
             <a:ext cx="814845" cy="690619"/>
           </a:xfrm>
           <a:prstGeom prst="ellipse">
@@ -4408,7 +4361,7 @@
         </p:nvSpPr>
         <p:spPr>
           <a:xfrm>
-            <a:off x="9261128" y="2984874"/>
+            <a:off x="11036144" y="3994723"/>
             <a:ext cx="814845" cy="690619"/>
           </a:xfrm>
           <a:prstGeom prst="ellipse">
@@ -4460,7 +4413,7 @@
         </p:nvSpPr>
         <p:spPr>
           <a:xfrm>
-            <a:off x="3530348" y="4842139"/>
+            <a:off x="6755535" y="5916277"/>
             <a:ext cx="814845" cy="690619"/>
           </a:xfrm>
           <a:prstGeom prst="ellipse">
@@ -4512,7 +4465,7 @@
         </p:nvSpPr>
         <p:spPr>
           <a:xfrm>
-            <a:off x="4457423" y="4839281"/>
+            <a:off x="7736927" y="5920884"/>
             <a:ext cx="814845" cy="690619"/>
           </a:xfrm>
           <a:prstGeom prst="ellipse">
@@ -4558,13 +4511,13 @@
       </p:sp>
       <p:sp>
         <p:nvSpPr>
-          <p:cNvPr id="41" name="타원 40"/>
+          <p:cNvPr id="42" name="타원 41"/>
           <p:cNvSpPr/>
           <p:nvPr/>
         </p:nvSpPr>
         <p:spPr>
           <a:xfrm>
-            <a:off x="5384497" y="4839281"/>
+            <a:off x="8708292" y="5920884"/>
             <a:ext cx="814845" cy="690619"/>
           </a:xfrm>
           <a:prstGeom prst="ellipse">
@@ -4602,7 +4555,7 @@
             <a:pPr algn="ctr"/>
             <a:r>
               <a:rPr lang="ko-KR" altLang="en-US" sz="1200" dirty="0" smtClean="0"/>
-              <a:t>사진 수</a:t>
+              <a:t>날짜</a:t>
             </a:r>
             <a:endParaRPr lang="ko-KR" altLang="en-US" sz="1200" dirty="0"/>
           </a:p>
@@ -4610,13 +4563,13 @@
       </p:sp>
       <p:sp>
         <p:nvSpPr>
-          <p:cNvPr id="42" name="타원 41"/>
+          <p:cNvPr id="43" name="타원 42"/>
           <p:cNvSpPr/>
           <p:nvPr/>
         </p:nvSpPr>
         <p:spPr>
           <a:xfrm>
-            <a:off x="6311572" y="4839281"/>
+            <a:off x="257803" y="6021311"/>
             <a:ext cx="814845" cy="690619"/>
           </a:xfrm>
           <a:prstGeom prst="ellipse">
@@ -4653,8 +4606,8 @@
           <a:p>
             <a:pPr algn="ctr"/>
             <a:r>
-              <a:rPr lang="ko-KR" altLang="en-US" sz="1200" dirty="0" smtClean="0"/>
-              <a:t>날짜</a:t>
+              <a:rPr lang="en-US" altLang="ko-KR" sz="1200" dirty="0" smtClean="0"/>
+              <a:t>code</a:t>
             </a:r>
             <a:endParaRPr lang="ko-KR" altLang="en-US" sz="1200" dirty="0"/>
           </a:p>
@@ -4662,13 +4615,13 @@
       </p:sp>
       <p:sp>
         <p:nvSpPr>
-          <p:cNvPr id="43" name="타원 42"/>
+          <p:cNvPr id="44" name="타원 43"/>
           <p:cNvSpPr/>
           <p:nvPr/>
         </p:nvSpPr>
         <p:spPr>
           <a:xfrm>
-            <a:off x="257803" y="6021311"/>
+            <a:off x="1177777" y="6021311"/>
             <a:ext cx="814845" cy="690619"/>
           </a:xfrm>
           <a:prstGeom prst="ellipse">
@@ -4705,8 +4658,8 @@
           <a:p>
             <a:pPr algn="ctr"/>
             <a:r>
-              <a:rPr lang="en-US" altLang="ko-KR" sz="1200" dirty="0" smtClean="0"/>
-              <a:t>code</a:t>
+              <a:rPr lang="ko-KR" altLang="en-US" sz="1200" dirty="0" smtClean="0"/>
+              <a:t>아기 이름</a:t>
             </a:r>
             <a:endParaRPr lang="ko-KR" altLang="en-US" sz="1200" dirty="0"/>
           </a:p>
@@ -4714,13 +4667,13 @@
       </p:sp>
       <p:sp>
         <p:nvSpPr>
-          <p:cNvPr id="44" name="타원 43"/>
+          <p:cNvPr id="45" name="타원 44"/>
           <p:cNvSpPr/>
           <p:nvPr/>
         </p:nvSpPr>
         <p:spPr>
           <a:xfrm>
-            <a:off x="1177777" y="6021311"/>
+            <a:off x="2098255" y="6021311"/>
             <a:ext cx="814845" cy="690619"/>
           </a:xfrm>
           <a:prstGeom prst="ellipse">
@@ -4758,7 +4711,7 @@
             <a:pPr algn="ctr"/>
             <a:r>
               <a:rPr lang="ko-KR" altLang="en-US" sz="1200" dirty="0" smtClean="0"/>
-              <a:t>아기 이름</a:t>
+              <a:t>사진</a:t>
             </a:r>
             <a:endParaRPr lang="ko-KR" altLang="en-US" sz="1200" dirty="0"/>
           </a:p>
@@ -4766,13 +4719,13 @@
       </p:sp>
       <p:sp>
         <p:nvSpPr>
-          <p:cNvPr id="45" name="타원 44"/>
+          <p:cNvPr id="46" name="타원 45"/>
           <p:cNvSpPr/>
           <p:nvPr/>
         </p:nvSpPr>
         <p:spPr>
           <a:xfrm>
-            <a:off x="2098255" y="6021311"/>
+            <a:off x="3018733" y="6021311"/>
             <a:ext cx="814845" cy="690619"/>
           </a:xfrm>
           <a:prstGeom prst="ellipse">
@@ -4810,7 +4763,7 @@
             <a:pPr algn="ctr"/>
             <a:r>
               <a:rPr lang="ko-KR" altLang="en-US" sz="1200" dirty="0" smtClean="0"/>
-              <a:t>사진</a:t>
+              <a:t>날짜</a:t>
             </a:r>
             <a:endParaRPr lang="ko-KR" altLang="en-US" sz="1200" dirty="0"/>
           </a:p>
@@ -4818,13 +4771,13 @@
       </p:sp>
       <p:sp>
         <p:nvSpPr>
-          <p:cNvPr id="46" name="타원 45"/>
+          <p:cNvPr id="47" name="타원 46"/>
           <p:cNvSpPr/>
           <p:nvPr/>
         </p:nvSpPr>
         <p:spPr>
           <a:xfrm>
-            <a:off x="3018733" y="6021311"/>
+            <a:off x="706754" y="3129765"/>
             <a:ext cx="814845" cy="690619"/>
           </a:xfrm>
           <a:prstGeom prst="ellipse">
@@ -4861,8 +4814,8 @@
           <a:p>
             <a:pPr algn="ctr"/>
             <a:r>
-              <a:rPr lang="ko-KR" altLang="en-US" sz="1200" dirty="0" smtClean="0"/>
-              <a:t>날짜</a:t>
+              <a:rPr lang="en-US" altLang="ko-KR" sz="1200" dirty="0" smtClean="0"/>
+              <a:t>code</a:t>
             </a:r>
             <a:endParaRPr lang="ko-KR" altLang="en-US" sz="1200" dirty="0"/>
           </a:p>
@@ -4870,13 +4823,13 @@
       </p:sp>
       <p:sp>
         <p:nvSpPr>
-          <p:cNvPr id="47" name="타원 46"/>
+          <p:cNvPr id="48" name="타원 47"/>
           <p:cNvSpPr/>
           <p:nvPr/>
         </p:nvSpPr>
         <p:spPr>
           <a:xfrm>
-            <a:off x="3175574" y="2177047"/>
+            <a:off x="1626728" y="3129765"/>
             <a:ext cx="814845" cy="690619"/>
           </a:xfrm>
           <a:prstGeom prst="ellipse">
@@ -4913,8 +4866,8 @@
           <a:p>
             <a:pPr algn="ctr"/>
             <a:r>
-              <a:rPr lang="en-US" altLang="ko-KR" sz="1200" dirty="0" smtClean="0"/>
-              <a:t>code</a:t>
+              <a:rPr lang="ko-KR" altLang="en-US" sz="1200" dirty="0" smtClean="0"/>
+              <a:t>아기 이름</a:t>
             </a:r>
             <a:endParaRPr lang="ko-KR" altLang="en-US" sz="1200" dirty="0"/>
           </a:p>
@@ -4922,13 +4875,13 @@
       </p:sp>
       <p:sp>
         <p:nvSpPr>
-          <p:cNvPr id="48" name="타원 47"/>
+          <p:cNvPr id="49" name="타원 48"/>
           <p:cNvSpPr/>
           <p:nvPr/>
         </p:nvSpPr>
         <p:spPr>
           <a:xfrm>
-            <a:off x="4095548" y="2177047"/>
+            <a:off x="2547206" y="3129765"/>
             <a:ext cx="814845" cy="690619"/>
           </a:xfrm>
           <a:prstGeom prst="ellipse">
@@ -4966,7 +4919,7 @@
             <a:pPr algn="ctr"/>
             <a:r>
               <a:rPr lang="ko-KR" altLang="en-US" sz="1200" dirty="0" smtClean="0"/>
-              <a:t>아기 이름</a:t>
+              <a:t>동영상</a:t>
             </a:r>
             <a:endParaRPr lang="ko-KR" altLang="en-US" sz="1200" dirty="0"/>
           </a:p>
@@ -4974,13 +4927,1492 @@
       </p:sp>
       <p:sp>
         <p:nvSpPr>
-          <p:cNvPr id="49" name="타원 48"/>
+          <p:cNvPr id="53" name="TextBox 52"/>
+          <p:cNvSpPr txBox="1"/>
+          <p:nvPr/>
+        </p:nvSpPr>
+        <p:spPr>
+          <a:xfrm>
+            <a:off x="145259" y="138371"/>
+            <a:ext cx="4291678" cy="830997"/>
+          </a:xfrm>
+          <a:prstGeom prst="rect">
+            <a:avLst/>
+          </a:prstGeom>
+          <a:noFill/>
+        </p:spPr>
+        <p:txBody>
+          <a:bodyPr wrap="square" rtlCol="0">
+            <a:spAutoFit/>
+          </a:bodyPr>
+          <a:lstStyle/>
+          <a:p>
+            <a:r>
+              <a:rPr lang="ko-KR" altLang="en-US" sz="4800" dirty="0" smtClean="0"/>
+              <a:t>개체 정의</a:t>
+            </a:r>
+            <a:endParaRPr lang="ko-KR" altLang="en-US" sz="4800" dirty="0"/>
+          </a:p>
+        </p:txBody>
+      </p:sp>
+      <p:cxnSp>
+        <p:nvCxnSpPr>
+          <p:cNvPr id="55" name="직선 연결선 54"/>
+          <p:cNvCxnSpPr>
+            <a:stCxn id="15" idx="4"/>
+            <a:endCxn id="4" idx="0"/>
+          </p:cNvCxnSpPr>
+          <p:nvPr/>
+        </p:nvCxnSpPr>
+        <p:spPr>
+          <a:xfrm>
+            <a:off x="541486" y="1837037"/>
+            <a:ext cx="1938546" cy="341564"/>
+          </a:xfrm>
+          <a:prstGeom prst="line">
+            <a:avLst/>
+          </a:prstGeom>
+        </p:spPr>
+        <p:style>
+          <a:lnRef idx="1">
+            <a:schemeClr val="accent1"/>
+          </a:lnRef>
+          <a:fillRef idx="0">
+            <a:schemeClr val="accent1"/>
+          </a:fillRef>
+          <a:effectRef idx="0">
+            <a:schemeClr val="accent1"/>
+          </a:effectRef>
+          <a:fontRef idx="minor">
+            <a:schemeClr val="tx1"/>
+          </a:fontRef>
+        </p:style>
+      </p:cxnSp>
+      <p:cxnSp>
+        <p:nvCxnSpPr>
+          <p:cNvPr id="58" name="직선 연결선 57"/>
+          <p:cNvCxnSpPr>
+            <a:stCxn id="16" idx="4"/>
+            <a:endCxn id="4" idx="0"/>
+          </p:cNvCxnSpPr>
+          <p:nvPr/>
+        </p:nvCxnSpPr>
+        <p:spPr>
+          <a:xfrm>
+            <a:off x="1463010" y="1837037"/>
+            <a:ext cx="1017022" cy="341564"/>
+          </a:xfrm>
+          <a:prstGeom prst="line">
+            <a:avLst/>
+          </a:prstGeom>
+        </p:spPr>
+        <p:style>
+          <a:lnRef idx="1">
+            <a:schemeClr val="accent1"/>
+          </a:lnRef>
+          <a:fillRef idx="0">
+            <a:schemeClr val="accent1"/>
+          </a:fillRef>
+          <a:effectRef idx="0">
+            <a:schemeClr val="accent1"/>
+          </a:effectRef>
+          <a:fontRef idx="minor">
+            <a:schemeClr val="tx1"/>
+          </a:fontRef>
+        </p:style>
+      </p:cxnSp>
+      <p:cxnSp>
+        <p:nvCxnSpPr>
+          <p:cNvPr id="61" name="직선 연결선 60"/>
+          <p:cNvCxnSpPr>
+            <a:stCxn id="17" idx="4"/>
+            <a:endCxn id="4" idx="0"/>
+          </p:cNvCxnSpPr>
+          <p:nvPr/>
+        </p:nvCxnSpPr>
+        <p:spPr>
+          <a:xfrm>
+            <a:off x="2380426" y="1837037"/>
+            <a:ext cx="99606" cy="341564"/>
+          </a:xfrm>
+          <a:prstGeom prst="line">
+            <a:avLst/>
+          </a:prstGeom>
+        </p:spPr>
+        <p:style>
+          <a:lnRef idx="1">
+            <a:schemeClr val="accent1"/>
+          </a:lnRef>
+          <a:fillRef idx="0">
+            <a:schemeClr val="accent1"/>
+          </a:fillRef>
+          <a:effectRef idx="0">
+            <a:schemeClr val="accent1"/>
+          </a:effectRef>
+          <a:fontRef idx="minor">
+            <a:schemeClr val="tx1"/>
+          </a:fontRef>
+        </p:style>
+      </p:cxnSp>
+      <p:cxnSp>
+        <p:nvCxnSpPr>
+          <p:cNvPr id="64" name="직선 연결선 63"/>
+          <p:cNvCxnSpPr>
+            <a:stCxn id="18" idx="4"/>
+            <a:endCxn id="4" idx="0"/>
+          </p:cNvCxnSpPr>
+          <p:nvPr/>
+        </p:nvCxnSpPr>
+        <p:spPr>
+          <a:xfrm flipH="1">
+            <a:off x="2480032" y="1837037"/>
+            <a:ext cx="835950" cy="341564"/>
+          </a:xfrm>
+          <a:prstGeom prst="line">
+            <a:avLst/>
+          </a:prstGeom>
+        </p:spPr>
+        <p:style>
+          <a:lnRef idx="1">
+            <a:schemeClr val="accent1"/>
+          </a:lnRef>
+          <a:fillRef idx="0">
+            <a:schemeClr val="accent1"/>
+          </a:fillRef>
+          <a:effectRef idx="0">
+            <a:schemeClr val="accent1"/>
+          </a:effectRef>
+          <a:fontRef idx="minor">
+            <a:schemeClr val="tx1"/>
+          </a:fontRef>
+        </p:style>
+      </p:cxnSp>
+      <p:cxnSp>
+        <p:nvCxnSpPr>
+          <p:cNvPr id="65" name="직선 연결선 64"/>
+          <p:cNvCxnSpPr>
+            <a:stCxn id="19" idx="4"/>
+            <a:endCxn id="4" idx="0"/>
+          </p:cNvCxnSpPr>
+          <p:nvPr/>
+        </p:nvCxnSpPr>
+        <p:spPr>
+          <a:xfrm flipH="1">
+            <a:off x="2480032" y="1837037"/>
+            <a:ext cx="1771506" cy="341564"/>
+          </a:xfrm>
+          <a:prstGeom prst="line">
+            <a:avLst/>
+          </a:prstGeom>
+        </p:spPr>
+        <p:style>
+          <a:lnRef idx="1">
+            <a:schemeClr val="accent1"/>
+          </a:lnRef>
+          <a:fillRef idx="0">
+            <a:schemeClr val="accent1"/>
+          </a:fillRef>
+          <a:effectRef idx="0">
+            <a:schemeClr val="accent1"/>
+          </a:effectRef>
+          <a:fontRef idx="minor">
+            <a:schemeClr val="tx1"/>
+          </a:fontRef>
+        </p:style>
+      </p:cxnSp>
+      <p:cxnSp>
+        <p:nvCxnSpPr>
+          <p:cNvPr id="68" name="직선 연결선 67"/>
+          <p:cNvCxnSpPr/>
+          <p:nvPr/>
+        </p:nvCxnSpPr>
+        <p:spPr>
+          <a:xfrm flipH="1">
+            <a:off x="7208794" y="5518353"/>
+            <a:ext cx="1842325" cy="410319"/>
+          </a:xfrm>
+          <a:prstGeom prst="line">
+            <a:avLst/>
+          </a:prstGeom>
+        </p:spPr>
+        <p:style>
+          <a:lnRef idx="1">
+            <a:schemeClr val="accent1"/>
+          </a:lnRef>
+          <a:fillRef idx="0">
+            <a:schemeClr val="accent1"/>
+          </a:fillRef>
+          <a:effectRef idx="0">
+            <a:schemeClr val="accent1"/>
+          </a:effectRef>
+          <a:fontRef idx="minor">
+            <a:schemeClr val="tx1"/>
+          </a:fontRef>
+        </p:style>
+      </p:cxnSp>
+      <p:cxnSp>
+        <p:nvCxnSpPr>
+          <p:cNvPr id="71" name="직선 연결선 70"/>
+          <p:cNvCxnSpPr>
+            <a:stCxn id="11" idx="2"/>
+            <a:endCxn id="40" idx="0"/>
+          </p:cNvCxnSpPr>
+          <p:nvPr/>
+        </p:nvCxnSpPr>
+        <p:spPr>
+          <a:xfrm flipH="1">
+            <a:off x="8144350" y="5496285"/>
+            <a:ext cx="971365" cy="424599"/>
+          </a:xfrm>
+          <a:prstGeom prst="line">
+            <a:avLst/>
+          </a:prstGeom>
+        </p:spPr>
+        <p:style>
+          <a:lnRef idx="1">
+            <a:schemeClr val="accent1"/>
+          </a:lnRef>
+          <a:fillRef idx="0">
+            <a:schemeClr val="accent1"/>
+          </a:fillRef>
+          <a:effectRef idx="0">
+            <a:schemeClr val="accent1"/>
+          </a:effectRef>
+          <a:fontRef idx="minor">
+            <a:schemeClr val="tx1"/>
+          </a:fontRef>
+        </p:style>
+      </p:cxnSp>
+      <p:cxnSp>
+        <p:nvCxnSpPr>
+          <p:cNvPr id="77" name="직선 연결선 76"/>
+          <p:cNvCxnSpPr>
+            <a:stCxn id="11" idx="2"/>
+            <a:endCxn id="42" idx="0"/>
+          </p:cNvCxnSpPr>
+          <p:nvPr/>
+        </p:nvCxnSpPr>
+        <p:spPr>
+          <a:xfrm>
+            <a:off x="9115715" y="5496285"/>
+            <a:ext cx="0" cy="424599"/>
+          </a:xfrm>
+          <a:prstGeom prst="line">
+            <a:avLst/>
+          </a:prstGeom>
+        </p:spPr>
+        <p:style>
+          <a:lnRef idx="1">
+            <a:schemeClr val="accent1"/>
+          </a:lnRef>
+          <a:fillRef idx="0">
+            <a:schemeClr val="accent1"/>
+          </a:fillRef>
+          <a:effectRef idx="0">
+            <a:schemeClr val="accent1"/>
+          </a:effectRef>
+          <a:fontRef idx="minor">
+            <a:schemeClr val="tx1"/>
+          </a:fontRef>
+        </p:style>
+      </p:cxnSp>
+      <p:cxnSp>
+        <p:nvCxnSpPr>
+          <p:cNvPr id="80" name="직선 연결선 79"/>
+          <p:cNvCxnSpPr>
+            <a:stCxn id="10" idx="2"/>
+            <a:endCxn id="32" idx="0"/>
+          </p:cNvCxnSpPr>
+          <p:nvPr/>
+        </p:nvCxnSpPr>
+        <p:spPr>
+          <a:xfrm flipH="1">
+            <a:off x="3993168" y="3705876"/>
+            <a:ext cx="1419576" cy="343390"/>
+          </a:xfrm>
+          <a:prstGeom prst="line">
+            <a:avLst/>
+          </a:prstGeom>
+        </p:spPr>
+        <p:style>
+          <a:lnRef idx="1">
+            <a:schemeClr val="accent1"/>
+          </a:lnRef>
+          <a:fillRef idx="0">
+            <a:schemeClr val="accent1"/>
+          </a:fillRef>
+          <a:effectRef idx="0">
+            <a:schemeClr val="accent1"/>
+          </a:effectRef>
+          <a:fontRef idx="minor">
+            <a:schemeClr val="tx1"/>
+          </a:fontRef>
+        </p:style>
+      </p:cxnSp>
+      <p:cxnSp>
+        <p:nvCxnSpPr>
+          <p:cNvPr id="83" name="직선 연결선 82"/>
+          <p:cNvCxnSpPr>
+            <a:stCxn id="20" idx="4"/>
+            <a:endCxn id="5" idx="0"/>
+          </p:cNvCxnSpPr>
+          <p:nvPr/>
+        </p:nvCxnSpPr>
+        <p:spPr>
+          <a:xfrm>
+            <a:off x="5541577" y="1837038"/>
+            <a:ext cx="932330" cy="341563"/>
+          </a:xfrm>
+          <a:prstGeom prst="line">
+            <a:avLst/>
+          </a:prstGeom>
+        </p:spPr>
+        <p:style>
+          <a:lnRef idx="1">
+            <a:schemeClr val="accent1"/>
+          </a:lnRef>
+          <a:fillRef idx="0">
+            <a:schemeClr val="accent1"/>
+          </a:fillRef>
+          <a:effectRef idx="0">
+            <a:schemeClr val="accent1"/>
+          </a:effectRef>
+          <a:fontRef idx="minor">
+            <a:schemeClr val="tx1"/>
+          </a:fontRef>
+        </p:style>
+      </p:cxnSp>
+      <p:cxnSp>
+        <p:nvCxnSpPr>
+          <p:cNvPr id="86" name="직선 연결선 85"/>
+          <p:cNvCxnSpPr>
+            <a:stCxn id="10" idx="2"/>
+            <a:endCxn id="34" idx="0"/>
+          </p:cNvCxnSpPr>
+          <p:nvPr/>
+        </p:nvCxnSpPr>
+        <p:spPr>
+          <a:xfrm>
+            <a:off x="5412744" y="3705876"/>
+            <a:ext cx="433396" cy="343389"/>
+          </a:xfrm>
+          <a:prstGeom prst="line">
+            <a:avLst/>
+          </a:prstGeom>
+        </p:spPr>
+        <p:style>
+          <a:lnRef idx="1">
+            <a:schemeClr val="accent1"/>
+          </a:lnRef>
+          <a:fillRef idx="0">
+            <a:schemeClr val="accent1"/>
+          </a:fillRef>
+          <a:effectRef idx="0">
+            <a:schemeClr val="accent1"/>
+          </a:effectRef>
+          <a:fontRef idx="minor">
+            <a:schemeClr val="tx1"/>
+          </a:fontRef>
+        </p:style>
+      </p:cxnSp>
+      <p:cxnSp>
+        <p:nvCxnSpPr>
+          <p:cNvPr id="91" name="직선 연결선 90"/>
+          <p:cNvCxnSpPr>
+            <a:stCxn id="21" idx="4"/>
+            <a:endCxn id="5" idx="0"/>
+          </p:cNvCxnSpPr>
+          <p:nvPr/>
+        </p:nvCxnSpPr>
+        <p:spPr>
+          <a:xfrm flipH="1">
+            <a:off x="6473907" y="1837037"/>
+            <a:ext cx="3226" cy="341564"/>
+          </a:xfrm>
+          <a:prstGeom prst="line">
+            <a:avLst/>
+          </a:prstGeom>
+        </p:spPr>
+        <p:style>
+          <a:lnRef idx="1">
+            <a:schemeClr val="accent1"/>
+          </a:lnRef>
+          <a:fillRef idx="0">
+            <a:schemeClr val="accent1"/>
+          </a:fillRef>
+          <a:effectRef idx="0">
+            <a:schemeClr val="accent1"/>
+          </a:effectRef>
+          <a:fontRef idx="minor">
+            <a:schemeClr val="tx1"/>
+          </a:fontRef>
+        </p:style>
+      </p:cxnSp>
+      <p:cxnSp>
+        <p:nvCxnSpPr>
+          <p:cNvPr id="94" name="직선 연결선 93"/>
+          <p:cNvCxnSpPr>
+            <a:stCxn id="22" idx="4"/>
+            <a:endCxn id="5" idx="0"/>
+          </p:cNvCxnSpPr>
+          <p:nvPr/>
+        </p:nvCxnSpPr>
+        <p:spPr>
+          <a:xfrm flipH="1">
+            <a:off x="6473907" y="1837037"/>
+            <a:ext cx="920642" cy="341564"/>
+          </a:xfrm>
+          <a:prstGeom prst="line">
+            <a:avLst/>
+          </a:prstGeom>
+        </p:spPr>
+        <p:style>
+          <a:lnRef idx="1">
+            <a:schemeClr val="accent1"/>
+          </a:lnRef>
+          <a:fillRef idx="0">
+            <a:schemeClr val="accent1"/>
+          </a:fillRef>
+          <a:effectRef idx="0">
+            <a:schemeClr val="accent1"/>
+          </a:effectRef>
+          <a:fontRef idx="minor">
+            <a:schemeClr val="tx1"/>
+          </a:fontRef>
+        </p:style>
+      </p:cxnSp>
+      <p:cxnSp>
+        <p:nvCxnSpPr>
+          <p:cNvPr id="97" name="직선 연결선 96"/>
+          <p:cNvCxnSpPr>
+            <a:stCxn id="23" idx="4"/>
+            <a:endCxn id="6" idx="0"/>
+          </p:cNvCxnSpPr>
+          <p:nvPr/>
+        </p:nvCxnSpPr>
+        <p:spPr>
+          <a:xfrm>
+            <a:off x="8603164" y="1837036"/>
+            <a:ext cx="1433029" cy="341565"/>
+          </a:xfrm>
+          <a:prstGeom prst="line">
+            <a:avLst/>
+          </a:prstGeom>
+        </p:spPr>
+        <p:style>
+          <a:lnRef idx="1">
+            <a:schemeClr val="accent1"/>
+          </a:lnRef>
+          <a:fillRef idx="0">
+            <a:schemeClr val="accent1"/>
+          </a:fillRef>
+          <a:effectRef idx="0">
+            <a:schemeClr val="accent1"/>
+          </a:effectRef>
+          <a:fontRef idx="minor">
+            <a:schemeClr val="tx1"/>
+          </a:fontRef>
+        </p:style>
+      </p:cxnSp>
+      <p:cxnSp>
+        <p:nvCxnSpPr>
+          <p:cNvPr id="100" name="직선 연결선 99"/>
+          <p:cNvCxnSpPr>
+            <a:stCxn id="24" idx="4"/>
+            <a:endCxn id="6" idx="0"/>
+          </p:cNvCxnSpPr>
+          <p:nvPr/>
+        </p:nvCxnSpPr>
+        <p:spPr>
+          <a:xfrm>
+            <a:off x="9523138" y="1837036"/>
+            <a:ext cx="513055" cy="341565"/>
+          </a:xfrm>
+          <a:prstGeom prst="line">
+            <a:avLst/>
+          </a:prstGeom>
+        </p:spPr>
+        <p:style>
+          <a:lnRef idx="1">
+            <a:schemeClr val="accent1"/>
+          </a:lnRef>
+          <a:fillRef idx="0">
+            <a:schemeClr val="accent1"/>
+          </a:fillRef>
+          <a:effectRef idx="0">
+            <a:schemeClr val="accent1"/>
+          </a:effectRef>
+          <a:fontRef idx="minor">
+            <a:schemeClr val="tx1"/>
+          </a:fontRef>
+        </p:style>
+      </p:cxnSp>
+      <p:cxnSp>
+        <p:nvCxnSpPr>
+          <p:cNvPr id="103" name="직선 연결선 102"/>
+          <p:cNvCxnSpPr>
+            <a:stCxn id="25" idx="4"/>
+            <a:endCxn id="6" idx="0"/>
+          </p:cNvCxnSpPr>
+          <p:nvPr/>
+        </p:nvCxnSpPr>
+        <p:spPr>
+          <a:xfrm flipH="1">
+            <a:off x="10036193" y="1837036"/>
+            <a:ext cx="407423" cy="341565"/>
+          </a:xfrm>
+          <a:prstGeom prst="line">
+            <a:avLst/>
+          </a:prstGeom>
+        </p:spPr>
+        <p:style>
+          <a:lnRef idx="1">
+            <a:schemeClr val="accent1"/>
+          </a:lnRef>
+          <a:fillRef idx="0">
+            <a:schemeClr val="accent1"/>
+          </a:fillRef>
+          <a:effectRef idx="0">
+            <a:schemeClr val="accent1"/>
+          </a:effectRef>
+          <a:fontRef idx="minor">
+            <a:schemeClr val="tx1"/>
+          </a:fontRef>
+        </p:style>
+      </p:cxnSp>
+      <p:cxnSp>
+        <p:nvCxnSpPr>
+          <p:cNvPr id="107" name="직선 연결선 106"/>
+          <p:cNvCxnSpPr>
+            <a:stCxn id="26" idx="3"/>
+            <a:endCxn id="6" idx="0"/>
+          </p:cNvCxnSpPr>
+          <p:nvPr/>
+        </p:nvCxnSpPr>
+        <p:spPr>
+          <a:xfrm flipH="1">
+            <a:off x="10036193" y="1735897"/>
+            <a:ext cx="1039809" cy="442704"/>
+          </a:xfrm>
+          <a:prstGeom prst="line">
+            <a:avLst/>
+          </a:prstGeom>
+        </p:spPr>
+        <p:style>
+          <a:lnRef idx="1">
+            <a:schemeClr val="accent1"/>
+          </a:lnRef>
+          <a:fillRef idx="0">
+            <a:schemeClr val="accent1"/>
+          </a:fillRef>
+          <a:effectRef idx="0">
+            <a:schemeClr val="accent1"/>
+          </a:effectRef>
+          <a:fontRef idx="minor">
+            <a:schemeClr val="tx1"/>
+          </a:fontRef>
+        </p:style>
+      </p:cxnSp>
+      <p:cxnSp>
+        <p:nvCxnSpPr>
+          <p:cNvPr id="110" name="직선 연결선 109"/>
+          <p:cNvCxnSpPr>
+            <a:stCxn id="27" idx="2"/>
+            <a:endCxn id="6" idx="3"/>
+          </p:cNvCxnSpPr>
+          <p:nvPr/>
+        </p:nvCxnSpPr>
+        <p:spPr>
+          <a:xfrm flipH="1">
+            <a:off x="10645793" y="2480366"/>
+            <a:ext cx="401110" cy="3035"/>
+          </a:xfrm>
+          <a:prstGeom prst="line">
+            <a:avLst/>
+          </a:prstGeom>
+        </p:spPr>
+        <p:style>
+          <a:lnRef idx="1">
+            <a:schemeClr val="accent1"/>
+          </a:lnRef>
+          <a:fillRef idx="0">
+            <a:schemeClr val="accent1"/>
+          </a:fillRef>
+          <a:effectRef idx="0">
+            <a:schemeClr val="accent1"/>
+          </a:effectRef>
+          <a:fontRef idx="minor">
+            <a:schemeClr val="tx1"/>
+          </a:fontRef>
+        </p:style>
+      </p:cxnSp>
+      <p:cxnSp>
+        <p:nvCxnSpPr>
+          <p:cNvPr id="122" name="직선 연결선 121"/>
+          <p:cNvCxnSpPr>
+            <a:stCxn id="47" idx="4"/>
+            <a:endCxn id="7" idx="0"/>
+          </p:cNvCxnSpPr>
+          <p:nvPr/>
+        </p:nvCxnSpPr>
+        <p:spPr>
+          <a:xfrm>
+            <a:off x="1114177" y="3820384"/>
+            <a:ext cx="921535" cy="201997"/>
+          </a:xfrm>
+          <a:prstGeom prst="line">
+            <a:avLst/>
+          </a:prstGeom>
+        </p:spPr>
+        <p:style>
+          <a:lnRef idx="1">
+            <a:schemeClr val="accent1"/>
+          </a:lnRef>
+          <a:fillRef idx="0">
+            <a:schemeClr val="accent1"/>
+          </a:fillRef>
+          <a:effectRef idx="0">
+            <a:schemeClr val="accent1"/>
+          </a:effectRef>
+          <a:fontRef idx="minor">
+            <a:schemeClr val="tx1"/>
+          </a:fontRef>
+        </p:style>
+      </p:cxnSp>
+      <p:cxnSp>
+        <p:nvCxnSpPr>
+          <p:cNvPr id="125" name="직선 연결선 124"/>
+          <p:cNvCxnSpPr>
+            <a:stCxn id="48" idx="4"/>
+            <a:endCxn id="7" idx="0"/>
+          </p:cNvCxnSpPr>
+          <p:nvPr/>
+        </p:nvCxnSpPr>
+        <p:spPr>
+          <a:xfrm>
+            <a:off x="2034151" y="3820384"/>
+            <a:ext cx="1561" cy="201997"/>
+          </a:xfrm>
+          <a:prstGeom prst="line">
+            <a:avLst/>
+          </a:prstGeom>
+        </p:spPr>
+        <p:style>
+          <a:lnRef idx="1">
+            <a:schemeClr val="accent1"/>
+          </a:lnRef>
+          <a:fillRef idx="0">
+            <a:schemeClr val="accent1"/>
+          </a:fillRef>
+          <a:effectRef idx="0">
+            <a:schemeClr val="accent1"/>
+          </a:effectRef>
+          <a:fontRef idx="minor">
+            <a:schemeClr val="tx1"/>
+          </a:fontRef>
+        </p:style>
+      </p:cxnSp>
+      <p:cxnSp>
+        <p:nvCxnSpPr>
+          <p:cNvPr id="129" name="직선 연결선 128"/>
+          <p:cNvCxnSpPr>
+            <a:stCxn id="49" idx="4"/>
+            <a:endCxn id="7" idx="0"/>
+          </p:cNvCxnSpPr>
+          <p:nvPr/>
+        </p:nvCxnSpPr>
+        <p:spPr>
+          <a:xfrm flipH="1">
+            <a:off x="2035712" y="3820384"/>
+            <a:ext cx="918917" cy="201997"/>
+          </a:xfrm>
+          <a:prstGeom prst="line">
+            <a:avLst/>
+          </a:prstGeom>
+        </p:spPr>
+        <p:style>
+          <a:lnRef idx="1">
+            <a:schemeClr val="accent1"/>
+          </a:lnRef>
+          <a:fillRef idx="0">
+            <a:schemeClr val="accent1"/>
+          </a:fillRef>
+          <a:effectRef idx="0">
+            <a:schemeClr val="accent1"/>
+          </a:effectRef>
+          <a:fontRef idx="minor">
+            <a:schemeClr val="tx1"/>
+          </a:fontRef>
+        </p:style>
+      </p:cxnSp>
+      <p:cxnSp>
+        <p:nvCxnSpPr>
+          <p:cNvPr id="132" name="직선 연결선 131"/>
+          <p:cNvCxnSpPr>
+            <a:stCxn id="8" idx="2"/>
+            <a:endCxn id="43" idx="0"/>
+          </p:cNvCxnSpPr>
+          <p:nvPr/>
+        </p:nvCxnSpPr>
+        <p:spPr>
+          <a:xfrm flipH="1">
+            <a:off x="665226" y="5679182"/>
+            <a:ext cx="1835083" cy="342129"/>
+          </a:xfrm>
+          <a:prstGeom prst="line">
+            <a:avLst/>
+          </a:prstGeom>
+        </p:spPr>
+        <p:style>
+          <a:lnRef idx="1">
+            <a:schemeClr val="accent1"/>
+          </a:lnRef>
+          <a:fillRef idx="0">
+            <a:schemeClr val="accent1"/>
+          </a:fillRef>
+          <a:effectRef idx="0">
+            <a:schemeClr val="accent1"/>
+          </a:effectRef>
+          <a:fontRef idx="minor">
+            <a:schemeClr val="tx1"/>
+          </a:fontRef>
+        </p:style>
+      </p:cxnSp>
+      <p:cxnSp>
+        <p:nvCxnSpPr>
+          <p:cNvPr id="135" name="직선 연결선 134"/>
+          <p:cNvCxnSpPr>
+            <a:stCxn id="8" idx="2"/>
+            <a:endCxn id="44" idx="0"/>
+          </p:cNvCxnSpPr>
+          <p:nvPr/>
+        </p:nvCxnSpPr>
+        <p:spPr>
+          <a:xfrm flipH="1">
+            <a:off x="1585200" y="5679182"/>
+            <a:ext cx="915109" cy="342129"/>
+          </a:xfrm>
+          <a:prstGeom prst="line">
+            <a:avLst/>
+          </a:prstGeom>
+        </p:spPr>
+        <p:style>
+          <a:lnRef idx="1">
+            <a:schemeClr val="accent1"/>
+          </a:lnRef>
+          <a:fillRef idx="0">
+            <a:schemeClr val="accent1"/>
+          </a:fillRef>
+          <a:effectRef idx="0">
+            <a:schemeClr val="accent1"/>
+          </a:effectRef>
+          <a:fontRef idx="minor">
+            <a:schemeClr val="tx1"/>
+          </a:fontRef>
+        </p:style>
+      </p:cxnSp>
+      <p:cxnSp>
+        <p:nvCxnSpPr>
+          <p:cNvPr id="138" name="직선 연결선 137"/>
+          <p:cNvCxnSpPr>
+            <a:stCxn id="8" idx="2"/>
+            <a:endCxn id="45" idx="0"/>
+          </p:cNvCxnSpPr>
+          <p:nvPr/>
+        </p:nvCxnSpPr>
+        <p:spPr>
+          <a:xfrm>
+            <a:off x="2500309" y="5679182"/>
+            <a:ext cx="5369" cy="342129"/>
+          </a:xfrm>
+          <a:prstGeom prst="line">
+            <a:avLst/>
+          </a:prstGeom>
+        </p:spPr>
+        <p:style>
+          <a:lnRef idx="1">
+            <a:schemeClr val="accent1"/>
+          </a:lnRef>
+          <a:fillRef idx="0">
+            <a:schemeClr val="accent1"/>
+          </a:fillRef>
+          <a:effectRef idx="0">
+            <a:schemeClr val="accent1"/>
+          </a:effectRef>
+          <a:fontRef idx="minor">
+            <a:schemeClr val="tx1"/>
+          </a:fontRef>
+        </p:style>
+      </p:cxnSp>
+      <p:cxnSp>
+        <p:nvCxnSpPr>
+          <p:cNvPr id="141" name="직선 연결선 140"/>
+          <p:cNvCxnSpPr>
+            <a:stCxn id="8" idx="2"/>
+            <a:endCxn id="46" idx="0"/>
+          </p:cNvCxnSpPr>
+          <p:nvPr/>
+        </p:nvCxnSpPr>
+        <p:spPr>
+          <a:xfrm>
+            <a:off x="2500309" y="5679182"/>
+            <a:ext cx="925847" cy="342129"/>
+          </a:xfrm>
+          <a:prstGeom prst="line">
+            <a:avLst/>
+          </a:prstGeom>
+        </p:spPr>
+        <p:style>
+          <a:lnRef idx="1">
+            <a:schemeClr val="accent1"/>
+          </a:lnRef>
+          <a:fillRef idx="0">
+            <a:schemeClr val="accent1"/>
+          </a:fillRef>
+          <a:effectRef idx="0">
+            <a:schemeClr val="accent1"/>
+          </a:effectRef>
+          <a:fontRef idx="minor">
+            <a:schemeClr val="tx1"/>
+          </a:fontRef>
+        </p:style>
+      </p:cxnSp>
+      <p:cxnSp>
+        <p:nvCxnSpPr>
+          <p:cNvPr id="156" name="직선 연결선 155"/>
+          <p:cNvCxnSpPr>
+            <a:stCxn id="35" idx="0"/>
+            <a:endCxn id="13" idx="2"/>
+          </p:cNvCxnSpPr>
+          <p:nvPr/>
+        </p:nvCxnSpPr>
+        <p:spPr>
+          <a:xfrm flipV="1">
+            <a:off x="8682637" y="3816383"/>
+            <a:ext cx="1401343" cy="178340"/>
+          </a:xfrm>
+          <a:prstGeom prst="line">
+            <a:avLst/>
+          </a:prstGeom>
+        </p:spPr>
+        <p:style>
+          <a:lnRef idx="1">
+            <a:schemeClr val="accent1"/>
+          </a:lnRef>
+          <a:fillRef idx="0">
+            <a:schemeClr val="accent1"/>
+          </a:fillRef>
+          <a:effectRef idx="0">
+            <a:schemeClr val="accent1"/>
+          </a:effectRef>
+          <a:fontRef idx="minor">
+            <a:schemeClr val="tx1"/>
+          </a:fontRef>
+        </p:style>
+      </p:cxnSp>
+      <p:cxnSp>
+        <p:nvCxnSpPr>
+          <p:cNvPr id="159" name="직선 연결선 158"/>
+          <p:cNvCxnSpPr>
+            <a:stCxn id="36" idx="0"/>
+            <a:endCxn id="13" idx="2"/>
+          </p:cNvCxnSpPr>
+          <p:nvPr/>
+        </p:nvCxnSpPr>
+        <p:spPr>
+          <a:xfrm flipV="1">
+            <a:off x="9602611" y="3816383"/>
+            <a:ext cx="481369" cy="178340"/>
+          </a:xfrm>
+          <a:prstGeom prst="line">
+            <a:avLst/>
+          </a:prstGeom>
+        </p:spPr>
+        <p:style>
+          <a:lnRef idx="1">
+            <a:schemeClr val="accent1"/>
+          </a:lnRef>
+          <a:fillRef idx="0">
+            <a:schemeClr val="accent1"/>
+          </a:fillRef>
+          <a:effectRef idx="0">
+            <a:schemeClr val="accent1"/>
+          </a:effectRef>
+          <a:fontRef idx="minor">
+            <a:schemeClr val="tx1"/>
+          </a:fontRef>
+        </p:style>
+      </p:cxnSp>
+      <p:cxnSp>
+        <p:nvCxnSpPr>
+          <p:cNvPr id="162" name="직선 연결선 161"/>
+          <p:cNvCxnSpPr>
+            <a:stCxn id="37" idx="0"/>
+            <a:endCxn id="13" idx="2"/>
+          </p:cNvCxnSpPr>
+          <p:nvPr/>
+        </p:nvCxnSpPr>
+        <p:spPr>
+          <a:xfrm flipH="1" flipV="1">
+            <a:off x="10083980" y="3816383"/>
+            <a:ext cx="439109" cy="178340"/>
+          </a:xfrm>
+          <a:prstGeom prst="line">
+            <a:avLst/>
+          </a:prstGeom>
+        </p:spPr>
+        <p:style>
+          <a:lnRef idx="1">
+            <a:schemeClr val="accent1"/>
+          </a:lnRef>
+          <a:fillRef idx="0">
+            <a:schemeClr val="accent1"/>
+          </a:fillRef>
+          <a:effectRef idx="0">
+            <a:schemeClr val="accent1"/>
+          </a:effectRef>
+          <a:fontRef idx="minor">
+            <a:schemeClr val="tx1"/>
+          </a:fontRef>
+        </p:style>
+      </p:cxnSp>
+      <p:cxnSp>
+        <p:nvCxnSpPr>
+          <p:cNvPr id="165" name="직선 연결선 164"/>
+          <p:cNvCxnSpPr>
+            <a:stCxn id="38" idx="0"/>
+            <a:endCxn id="13" idx="2"/>
+          </p:cNvCxnSpPr>
+          <p:nvPr/>
+        </p:nvCxnSpPr>
+        <p:spPr>
+          <a:xfrm flipH="1" flipV="1">
+            <a:off x="10083980" y="3816383"/>
+            <a:ext cx="1359587" cy="178340"/>
+          </a:xfrm>
+          <a:prstGeom prst="line">
+            <a:avLst/>
+          </a:prstGeom>
+        </p:spPr>
+        <p:style>
+          <a:lnRef idx="1">
+            <a:schemeClr val="accent1"/>
+          </a:lnRef>
+          <a:fillRef idx="0">
+            <a:schemeClr val="accent1"/>
+          </a:fillRef>
+          <a:effectRef idx="0">
+            <a:schemeClr val="accent1"/>
+          </a:effectRef>
+          <a:fontRef idx="minor">
+            <a:schemeClr val="tx1"/>
+          </a:fontRef>
+        </p:style>
+      </p:cxnSp>
+      <p:cxnSp>
+        <p:nvCxnSpPr>
+          <p:cNvPr id="175" name="직선 연결선 174"/>
+          <p:cNvCxnSpPr>
+            <a:stCxn id="10" idx="2"/>
+            <a:endCxn id="33" idx="0"/>
+          </p:cNvCxnSpPr>
+          <p:nvPr/>
+        </p:nvCxnSpPr>
+        <p:spPr>
+          <a:xfrm flipH="1">
+            <a:off x="4928724" y="3705876"/>
+            <a:ext cx="484020" cy="343389"/>
+          </a:xfrm>
+          <a:prstGeom prst="line">
+            <a:avLst/>
+          </a:prstGeom>
+        </p:spPr>
+        <p:style>
+          <a:lnRef idx="1">
+            <a:schemeClr val="accent1"/>
+          </a:lnRef>
+          <a:fillRef idx="0">
+            <a:schemeClr val="accent1"/>
+          </a:fillRef>
+          <a:effectRef idx="0">
+            <a:schemeClr val="accent1"/>
+          </a:effectRef>
+          <a:fontRef idx="minor">
+            <a:schemeClr val="tx1"/>
+          </a:fontRef>
+        </p:style>
+      </p:cxnSp>
+      <p:cxnSp>
+        <p:nvCxnSpPr>
+          <p:cNvPr id="3" name="직선 연결선 2"/>
+          <p:cNvCxnSpPr>
+            <a:stCxn id="17" idx="3"/>
+            <a:endCxn id="17" idx="5"/>
+          </p:cNvCxnSpPr>
+          <p:nvPr/>
+        </p:nvCxnSpPr>
+        <p:spPr>
+          <a:xfrm>
+            <a:off x="2092334" y="1735898"/>
+            <a:ext cx="576183" cy="0"/>
+          </a:xfrm>
+          <a:prstGeom prst="line">
+            <a:avLst/>
+          </a:prstGeom>
+        </p:spPr>
+        <p:style>
+          <a:lnRef idx="2">
+            <a:schemeClr val="dk1"/>
+          </a:lnRef>
+          <a:fillRef idx="0">
+            <a:schemeClr val="dk1"/>
+          </a:fillRef>
+          <a:effectRef idx="1">
+            <a:schemeClr val="dk1"/>
+          </a:effectRef>
+          <a:fontRef idx="minor">
+            <a:schemeClr val="tx1"/>
+          </a:fontRef>
+        </p:style>
+      </p:cxnSp>
+      <p:cxnSp>
+        <p:nvCxnSpPr>
+          <p:cNvPr id="92" name="직선 연결선 91"/>
+          <p:cNvCxnSpPr>
+            <a:stCxn id="18" idx="3"/>
+            <a:endCxn id="18" idx="5"/>
+          </p:cNvCxnSpPr>
+          <p:nvPr/>
+        </p:nvCxnSpPr>
+        <p:spPr>
+          <a:xfrm>
+            <a:off x="3027890" y="1735898"/>
+            <a:ext cx="576183" cy="0"/>
+          </a:xfrm>
+          <a:prstGeom prst="line">
+            <a:avLst/>
+          </a:prstGeom>
+        </p:spPr>
+        <p:style>
+          <a:lnRef idx="2">
+            <a:schemeClr val="dk1"/>
+          </a:lnRef>
+          <a:fillRef idx="0">
+            <a:schemeClr val="dk1"/>
+          </a:fillRef>
+          <a:effectRef idx="1">
+            <a:schemeClr val="dk1"/>
+          </a:effectRef>
+          <a:fontRef idx="minor">
+            <a:schemeClr val="tx1"/>
+          </a:fontRef>
+        </p:style>
+      </p:cxnSp>
+      <p:cxnSp>
+        <p:nvCxnSpPr>
+          <p:cNvPr id="95" name="직선 연결선 94"/>
+          <p:cNvCxnSpPr>
+            <a:stCxn id="20" idx="3"/>
+            <a:endCxn id="20" idx="5"/>
+          </p:cNvCxnSpPr>
+          <p:nvPr/>
+        </p:nvCxnSpPr>
+        <p:spPr>
+          <a:xfrm>
+            <a:off x="5253485" y="1735899"/>
+            <a:ext cx="576183" cy="0"/>
+          </a:xfrm>
+          <a:prstGeom prst="line">
+            <a:avLst/>
+          </a:prstGeom>
+        </p:spPr>
+        <p:style>
+          <a:lnRef idx="2">
+            <a:schemeClr val="dk1"/>
+          </a:lnRef>
+          <a:fillRef idx="0">
+            <a:schemeClr val="dk1"/>
+          </a:fillRef>
+          <a:effectRef idx="1">
+            <a:schemeClr val="dk1"/>
+          </a:effectRef>
+          <a:fontRef idx="minor">
+            <a:schemeClr val="tx1"/>
+          </a:fontRef>
+        </p:style>
+      </p:cxnSp>
+      <p:cxnSp>
+        <p:nvCxnSpPr>
+          <p:cNvPr id="98" name="직선 연결선 97"/>
+          <p:cNvCxnSpPr>
+            <a:stCxn id="21" idx="3"/>
+            <a:endCxn id="21" idx="5"/>
+          </p:cNvCxnSpPr>
+          <p:nvPr/>
+        </p:nvCxnSpPr>
+        <p:spPr>
+          <a:xfrm>
+            <a:off x="6189041" y="1735898"/>
+            <a:ext cx="576183" cy="0"/>
+          </a:xfrm>
+          <a:prstGeom prst="line">
+            <a:avLst/>
+          </a:prstGeom>
+        </p:spPr>
+        <p:style>
+          <a:lnRef idx="2">
+            <a:schemeClr val="dk1"/>
+          </a:lnRef>
+          <a:fillRef idx="0">
+            <a:schemeClr val="dk1"/>
+          </a:fillRef>
+          <a:effectRef idx="1">
+            <a:schemeClr val="dk1"/>
+          </a:effectRef>
+          <a:fontRef idx="minor">
+            <a:schemeClr val="tx1"/>
+          </a:fontRef>
+        </p:style>
+      </p:cxnSp>
+      <p:cxnSp>
+        <p:nvCxnSpPr>
+          <p:cNvPr id="101" name="직선 연결선 100"/>
+          <p:cNvCxnSpPr>
+            <a:stCxn id="23" idx="3"/>
+            <a:endCxn id="23" idx="5"/>
+          </p:cNvCxnSpPr>
+          <p:nvPr/>
+        </p:nvCxnSpPr>
+        <p:spPr>
+          <a:xfrm>
+            <a:off x="8315072" y="1735897"/>
+            <a:ext cx="576183" cy="0"/>
+          </a:xfrm>
+          <a:prstGeom prst="line">
+            <a:avLst/>
+          </a:prstGeom>
+        </p:spPr>
+        <p:style>
+          <a:lnRef idx="2">
+            <a:schemeClr val="dk1"/>
+          </a:lnRef>
+          <a:fillRef idx="0">
+            <a:schemeClr val="dk1"/>
+          </a:fillRef>
+          <a:effectRef idx="1">
+            <a:schemeClr val="dk1"/>
+          </a:effectRef>
+          <a:fontRef idx="minor">
+            <a:schemeClr val="tx1"/>
+          </a:fontRef>
+        </p:style>
+      </p:cxnSp>
+      <p:cxnSp>
+        <p:nvCxnSpPr>
+          <p:cNvPr id="104" name="직선 연결선 103"/>
+          <p:cNvCxnSpPr>
+            <a:stCxn id="24" idx="3"/>
+            <a:endCxn id="24" idx="5"/>
+          </p:cNvCxnSpPr>
+          <p:nvPr/>
+        </p:nvCxnSpPr>
+        <p:spPr>
+          <a:xfrm>
+            <a:off x="9235046" y="1735897"/>
+            <a:ext cx="576183" cy="0"/>
+          </a:xfrm>
+          <a:prstGeom prst="line">
+            <a:avLst/>
+          </a:prstGeom>
+        </p:spPr>
+        <p:style>
+          <a:lnRef idx="2">
+            <a:schemeClr val="dk1"/>
+          </a:lnRef>
+          <a:fillRef idx="0">
+            <a:schemeClr val="dk1"/>
+          </a:fillRef>
+          <a:effectRef idx="1">
+            <a:schemeClr val="dk1"/>
+          </a:effectRef>
+          <a:fontRef idx="minor">
+            <a:schemeClr val="tx1"/>
+          </a:fontRef>
+        </p:style>
+      </p:cxnSp>
+      <p:cxnSp>
+        <p:nvCxnSpPr>
+          <p:cNvPr id="106" name="직선 연결선 105"/>
+          <p:cNvCxnSpPr>
+            <a:stCxn id="39" idx="3"/>
+            <a:endCxn id="39" idx="5"/>
+          </p:cNvCxnSpPr>
+          <p:nvPr/>
+        </p:nvCxnSpPr>
+        <p:spPr>
+          <a:xfrm>
+            <a:off x="6874866" y="6505757"/>
+            <a:ext cx="576183" cy="0"/>
+          </a:xfrm>
+          <a:prstGeom prst="line">
+            <a:avLst/>
+          </a:prstGeom>
+        </p:spPr>
+        <p:style>
+          <a:lnRef idx="2">
+            <a:schemeClr val="dk1"/>
+          </a:lnRef>
+          <a:fillRef idx="0">
+            <a:schemeClr val="dk1"/>
+          </a:fillRef>
+          <a:effectRef idx="1">
+            <a:schemeClr val="dk1"/>
+          </a:effectRef>
+          <a:fontRef idx="minor">
+            <a:schemeClr val="tx1"/>
+          </a:fontRef>
+        </p:style>
+      </p:cxnSp>
+      <p:cxnSp>
+        <p:nvCxnSpPr>
+          <p:cNvPr id="108" name="직선 연결선 107"/>
+          <p:cNvCxnSpPr>
+            <a:stCxn id="35" idx="3"/>
+            <a:endCxn id="35" idx="5"/>
+          </p:cNvCxnSpPr>
+          <p:nvPr/>
+        </p:nvCxnSpPr>
+        <p:spPr>
+          <a:xfrm>
+            <a:off x="8394545" y="4584203"/>
+            <a:ext cx="576183" cy="0"/>
+          </a:xfrm>
+          <a:prstGeom prst="line">
+            <a:avLst/>
+          </a:prstGeom>
+        </p:spPr>
+        <p:style>
+          <a:lnRef idx="2">
+            <a:schemeClr val="dk1"/>
+          </a:lnRef>
+          <a:fillRef idx="0">
+            <a:schemeClr val="dk1"/>
+          </a:fillRef>
+          <a:effectRef idx="1">
+            <a:schemeClr val="dk1"/>
+          </a:effectRef>
+          <a:fontRef idx="minor">
+            <a:schemeClr val="tx1"/>
+          </a:fontRef>
+        </p:style>
+      </p:cxnSp>
+      <p:cxnSp>
+        <p:nvCxnSpPr>
+          <p:cNvPr id="111" name="직선 연결선 110"/>
+          <p:cNvCxnSpPr>
+            <a:stCxn id="36" idx="3"/>
+            <a:endCxn id="36" idx="5"/>
+          </p:cNvCxnSpPr>
+          <p:nvPr/>
+        </p:nvCxnSpPr>
+        <p:spPr>
+          <a:xfrm>
+            <a:off x="9314519" y="4584203"/>
+            <a:ext cx="576183" cy="0"/>
+          </a:xfrm>
+          <a:prstGeom prst="line">
+            <a:avLst/>
+          </a:prstGeom>
+        </p:spPr>
+        <p:style>
+          <a:lnRef idx="2">
+            <a:schemeClr val="dk1"/>
+          </a:lnRef>
+          <a:fillRef idx="0">
+            <a:schemeClr val="dk1"/>
+          </a:fillRef>
+          <a:effectRef idx="1">
+            <a:schemeClr val="dk1"/>
+          </a:effectRef>
+          <a:fontRef idx="minor">
+            <a:schemeClr val="tx1"/>
+          </a:fontRef>
+        </p:style>
+      </p:cxnSp>
+      <p:cxnSp>
+        <p:nvCxnSpPr>
+          <p:cNvPr id="114" name="직선 연결선 113"/>
+          <p:cNvCxnSpPr>
+            <a:stCxn id="47" idx="3"/>
+            <a:endCxn id="47" idx="5"/>
+          </p:cNvCxnSpPr>
+          <p:nvPr/>
+        </p:nvCxnSpPr>
+        <p:spPr>
+          <a:xfrm>
+            <a:off x="826085" y="3719245"/>
+            <a:ext cx="576183" cy="0"/>
+          </a:xfrm>
+          <a:prstGeom prst="line">
+            <a:avLst/>
+          </a:prstGeom>
+        </p:spPr>
+        <p:style>
+          <a:lnRef idx="2">
+            <a:schemeClr val="dk1"/>
+          </a:lnRef>
+          <a:fillRef idx="0">
+            <a:schemeClr val="dk1"/>
+          </a:fillRef>
+          <a:effectRef idx="1">
+            <a:schemeClr val="dk1"/>
+          </a:effectRef>
+          <a:fontRef idx="minor">
+            <a:schemeClr val="tx1"/>
+          </a:fontRef>
+        </p:style>
+      </p:cxnSp>
+      <p:cxnSp>
+        <p:nvCxnSpPr>
+          <p:cNvPr id="115" name="직선 연결선 114"/>
+          <p:cNvCxnSpPr>
+            <a:stCxn id="48" idx="3"/>
+            <a:endCxn id="48" idx="5"/>
+          </p:cNvCxnSpPr>
+          <p:nvPr/>
+        </p:nvCxnSpPr>
+        <p:spPr>
+          <a:xfrm>
+            <a:off x="1746059" y="3719245"/>
+            <a:ext cx="576183" cy="0"/>
+          </a:xfrm>
+          <a:prstGeom prst="line">
+            <a:avLst/>
+          </a:prstGeom>
+        </p:spPr>
+        <p:style>
+          <a:lnRef idx="2">
+            <a:schemeClr val="dk1"/>
+          </a:lnRef>
+          <a:fillRef idx="0">
+            <a:schemeClr val="dk1"/>
+          </a:fillRef>
+          <a:effectRef idx="1">
+            <a:schemeClr val="dk1"/>
+          </a:effectRef>
+          <a:fontRef idx="minor">
+            <a:schemeClr val="tx1"/>
+          </a:fontRef>
+        </p:style>
+      </p:cxnSp>
+      <p:cxnSp>
+        <p:nvCxnSpPr>
+          <p:cNvPr id="121" name="직선 연결선 120"/>
+          <p:cNvCxnSpPr>
+            <a:stCxn id="40" idx="3"/>
+            <a:endCxn id="40" idx="5"/>
+          </p:cNvCxnSpPr>
+          <p:nvPr/>
+        </p:nvCxnSpPr>
+        <p:spPr>
+          <a:xfrm>
+            <a:off x="7856258" y="6510364"/>
+            <a:ext cx="576183" cy="0"/>
+          </a:xfrm>
+          <a:prstGeom prst="line">
+            <a:avLst/>
+          </a:prstGeom>
+        </p:spPr>
+        <p:style>
+          <a:lnRef idx="2">
+            <a:schemeClr val="dk1"/>
+          </a:lnRef>
+          <a:fillRef idx="0">
+            <a:schemeClr val="dk1"/>
+          </a:fillRef>
+          <a:effectRef idx="1">
+            <a:schemeClr val="dk1"/>
+          </a:effectRef>
+          <a:fontRef idx="minor">
+            <a:schemeClr val="tx1"/>
+          </a:fontRef>
+        </p:style>
+      </p:cxnSp>
+      <p:cxnSp>
+        <p:nvCxnSpPr>
+          <p:cNvPr id="124" name="직선 연결선 123"/>
+          <p:cNvCxnSpPr>
+            <a:stCxn id="43" idx="3"/>
+            <a:endCxn id="43" idx="5"/>
+          </p:cNvCxnSpPr>
+          <p:nvPr/>
+        </p:nvCxnSpPr>
+        <p:spPr>
+          <a:xfrm>
+            <a:off x="377134" y="6610791"/>
+            <a:ext cx="576183" cy="0"/>
+          </a:xfrm>
+          <a:prstGeom prst="line">
+            <a:avLst/>
+          </a:prstGeom>
+        </p:spPr>
+        <p:style>
+          <a:lnRef idx="2">
+            <a:schemeClr val="dk1"/>
+          </a:lnRef>
+          <a:fillRef idx="0">
+            <a:schemeClr val="dk1"/>
+          </a:fillRef>
+          <a:effectRef idx="1">
+            <a:schemeClr val="dk1"/>
+          </a:effectRef>
+          <a:fontRef idx="minor">
+            <a:schemeClr val="tx1"/>
+          </a:fontRef>
+        </p:style>
+      </p:cxnSp>
+      <p:cxnSp>
+        <p:nvCxnSpPr>
+          <p:cNvPr id="127" name="직선 연결선 126"/>
+          <p:cNvCxnSpPr>
+            <a:stCxn id="44" idx="3"/>
+            <a:endCxn id="44" idx="5"/>
+          </p:cNvCxnSpPr>
+          <p:nvPr/>
+        </p:nvCxnSpPr>
+        <p:spPr>
+          <a:xfrm>
+            <a:off x="1297108" y="6610791"/>
+            <a:ext cx="576183" cy="0"/>
+          </a:xfrm>
+          <a:prstGeom prst="line">
+            <a:avLst/>
+          </a:prstGeom>
+        </p:spPr>
+        <p:style>
+          <a:lnRef idx="2">
+            <a:schemeClr val="dk1"/>
+          </a:lnRef>
+          <a:fillRef idx="0">
+            <a:schemeClr val="dk1"/>
+          </a:fillRef>
+          <a:effectRef idx="1">
+            <a:schemeClr val="dk1"/>
+          </a:effectRef>
+          <a:fontRef idx="minor">
+            <a:schemeClr val="tx1"/>
+          </a:fontRef>
+        </p:style>
+      </p:cxnSp>
+      <p:sp>
+        <p:nvSpPr>
+          <p:cNvPr id="142" name="타원 141"/>
           <p:cNvSpPr/>
           <p:nvPr/>
         </p:nvSpPr>
         <p:spPr>
           <a:xfrm>
-            <a:off x="5016026" y="2177047"/>
+            <a:off x="3936285" y="6021311"/>
             <a:ext cx="814845" cy="690619"/>
           </a:xfrm>
           <a:prstGeom prst="ellipse">
@@ -5017,22 +6449,220 @@
           <a:p>
             <a:pPr algn="ctr"/>
             <a:r>
-              <a:rPr lang="ko-KR" altLang="en-US" sz="1200" dirty="0" smtClean="0"/>
-              <a:t>동영상</a:t>
+              <a:rPr lang="en-US" altLang="ko-KR" sz="1200" dirty="0" smtClean="0"/>
+              <a:t>Index</a:t>
             </a:r>
             <a:endParaRPr lang="ko-KR" altLang="en-US" sz="1200" dirty="0"/>
           </a:p>
         </p:txBody>
       </p:sp>
-      <p:sp>
-        <p:nvSpPr>
-          <p:cNvPr id="50" name="타원 49"/>
+      <p:cxnSp>
+        <p:nvCxnSpPr>
+          <p:cNvPr id="143" name="직선 연결선 142"/>
+          <p:cNvCxnSpPr>
+            <a:stCxn id="8" idx="2"/>
+            <a:endCxn id="142" idx="0"/>
+          </p:cNvCxnSpPr>
+          <p:nvPr/>
+        </p:nvCxnSpPr>
+        <p:spPr>
+          <a:xfrm>
+            <a:off x="2500309" y="5679182"/>
+            <a:ext cx="1843399" cy="342129"/>
+          </a:xfrm>
+          <a:prstGeom prst="line">
+            <a:avLst/>
+          </a:prstGeom>
+        </p:spPr>
+        <p:style>
+          <a:lnRef idx="1">
+            <a:schemeClr val="accent1"/>
+          </a:lnRef>
+          <a:fillRef idx="0">
+            <a:schemeClr val="accent1"/>
+          </a:fillRef>
+          <a:effectRef idx="0">
+            <a:schemeClr val="accent1"/>
+          </a:effectRef>
+          <a:fontRef idx="minor">
+            <a:schemeClr val="tx1"/>
+          </a:fontRef>
+        </p:style>
+      </p:cxnSp>
+      <p:cxnSp>
+        <p:nvCxnSpPr>
+          <p:cNvPr id="158" name="직선 연결선 157"/>
+          <p:cNvCxnSpPr>
+            <a:stCxn id="42" idx="3"/>
+            <a:endCxn id="42" idx="5"/>
+          </p:cNvCxnSpPr>
+          <p:nvPr/>
+        </p:nvCxnSpPr>
+        <p:spPr>
+          <a:xfrm>
+            <a:off x="8827623" y="6510364"/>
+            <a:ext cx="576183" cy="0"/>
+          </a:xfrm>
+          <a:prstGeom prst="line">
+            <a:avLst/>
+          </a:prstGeom>
+        </p:spPr>
+        <p:style>
+          <a:lnRef idx="2">
+            <a:schemeClr val="dk1"/>
+          </a:lnRef>
+          <a:fillRef idx="0">
+            <a:schemeClr val="dk1"/>
+          </a:fillRef>
+          <a:effectRef idx="1">
+            <a:schemeClr val="dk1"/>
+          </a:effectRef>
+          <a:fontRef idx="minor">
+            <a:schemeClr val="tx1"/>
+          </a:fontRef>
+        </p:style>
+      </p:cxnSp>
+      <p:cxnSp>
+        <p:nvCxnSpPr>
+          <p:cNvPr id="169" name="직선 연결선 168"/>
+          <p:cNvCxnSpPr>
+            <a:stCxn id="27" idx="3"/>
+            <a:endCxn id="27" idx="5"/>
+          </p:cNvCxnSpPr>
+          <p:nvPr/>
+        </p:nvCxnSpPr>
+        <p:spPr>
+          <a:xfrm>
+            <a:off x="11166234" y="2724536"/>
+            <a:ext cx="576183" cy="0"/>
+          </a:xfrm>
+          <a:prstGeom prst="line">
+            <a:avLst/>
+          </a:prstGeom>
+        </p:spPr>
+        <p:style>
+          <a:lnRef idx="2">
+            <a:schemeClr val="dk1"/>
+          </a:lnRef>
+          <a:fillRef idx="0">
+            <a:schemeClr val="dk1"/>
+          </a:fillRef>
+          <a:effectRef idx="1">
+            <a:schemeClr val="dk1"/>
+          </a:effectRef>
+          <a:fontRef idx="minor">
+            <a:schemeClr val="tx1"/>
+          </a:fontRef>
+        </p:style>
+      </p:cxnSp>
+      <p:cxnSp>
+        <p:nvCxnSpPr>
+          <p:cNvPr id="173" name="직선 연결선 172"/>
+          <p:cNvCxnSpPr>
+            <a:stCxn id="38" idx="3"/>
+            <a:endCxn id="38" idx="5"/>
+          </p:cNvCxnSpPr>
+          <p:nvPr/>
+        </p:nvCxnSpPr>
+        <p:spPr>
+          <a:xfrm>
+            <a:off x="11155475" y="4584203"/>
+            <a:ext cx="576183" cy="0"/>
+          </a:xfrm>
+          <a:prstGeom prst="line">
+            <a:avLst/>
+          </a:prstGeom>
+        </p:spPr>
+        <p:style>
+          <a:lnRef idx="2">
+            <a:schemeClr val="dk1"/>
+          </a:lnRef>
+          <a:fillRef idx="0">
+            <a:schemeClr val="dk1"/>
+          </a:fillRef>
+          <a:effectRef idx="1">
+            <a:schemeClr val="dk1"/>
+          </a:effectRef>
+          <a:fontRef idx="minor">
+            <a:schemeClr val="tx1"/>
+          </a:fontRef>
+        </p:style>
+      </p:cxnSp>
+      <p:cxnSp>
+        <p:nvCxnSpPr>
+          <p:cNvPr id="179" name="직선 연결선 178"/>
+          <p:cNvCxnSpPr>
+            <a:stCxn id="46" idx="3"/>
+            <a:endCxn id="46" idx="5"/>
+          </p:cNvCxnSpPr>
+          <p:nvPr/>
+        </p:nvCxnSpPr>
+        <p:spPr>
+          <a:xfrm>
+            <a:off x="3138064" y="6610791"/>
+            <a:ext cx="576183" cy="0"/>
+          </a:xfrm>
+          <a:prstGeom prst="line">
+            <a:avLst/>
+          </a:prstGeom>
+        </p:spPr>
+        <p:style>
+          <a:lnRef idx="2">
+            <a:schemeClr val="dk1"/>
+          </a:lnRef>
+          <a:fillRef idx="0">
+            <a:schemeClr val="dk1"/>
+          </a:fillRef>
+          <a:effectRef idx="1">
+            <a:schemeClr val="dk1"/>
+          </a:effectRef>
+          <a:fontRef idx="minor">
+            <a:schemeClr val="tx1"/>
+          </a:fontRef>
+        </p:style>
+      </p:cxnSp>
+      <p:cxnSp>
+        <p:nvCxnSpPr>
+          <p:cNvPr id="182" name="직선 연결선 181"/>
+          <p:cNvCxnSpPr>
+            <a:stCxn id="142" idx="3"/>
+            <a:endCxn id="142" idx="5"/>
+          </p:cNvCxnSpPr>
+          <p:nvPr/>
+        </p:nvCxnSpPr>
+        <p:spPr>
+          <a:xfrm>
+            <a:off x="4055616" y="6610791"/>
+            <a:ext cx="576183" cy="0"/>
+          </a:xfrm>
+          <a:prstGeom prst="line">
+            <a:avLst/>
+          </a:prstGeom>
+        </p:spPr>
+        <p:style>
+          <a:lnRef idx="2">
+            <a:schemeClr val="dk1"/>
+          </a:lnRef>
+          <a:fillRef idx="0">
+            <a:schemeClr val="dk1"/>
+          </a:fillRef>
+          <a:effectRef idx="1">
+            <a:schemeClr val="dk1"/>
+          </a:effectRef>
+          <a:fontRef idx="minor">
+            <a:schemeClr val="tx1"/>
+          </a:fontRef>
+        </p:style>
+      </p:cxnSp>
+      <p:sp>
+        <p:nvSpPr>
+          <p:cNvPr id="192" name="타원 191"/>
           <p:cNvSpPr/>
           <p:nvPr/>
         </p:nvSpPr>
         <p:spPr>
           <a:xfrm>
-            <a:off x="9372372" y="4896230"/>
+            <a:off x="10556097" y="5943376"/>
             <a:ext cx="814845" cy="690619"/>
           </a:xfrm>
           <a:prstGeom prst="ellipse">
@@ -5069,8 +6699,8 @@
           <a:p>
             <a:pPr algn="ctr"/>
             <a:r>
-              <a:rPr lang="en-US" altLang="ko-KR" sz="1200" dirty="0" smtClean="0"/>
-              <a:t>code</a:t>
+              <a:rPr lang="ko-KR" altLang="en-US" sz="1200" dirty="0" smtClean="0"/>
+              <a:t>일기</a:t>
             </a:r>
             <a:endParaRPr lang="ko-KR" altLang="en-US" sz="1200" dirty="0"/>
           </a:p>
@@ -5078,13 +6708,13 @@
       </p:sp>
       <p:sp>
         <p:nvSpPr>
-          <p:cNvPr id="51" name="타원 50"/>
+          <p:cNvPr id="193" name="타원 192"/>
           <p:cNvSpPr/>
           <p:nvPr/>
         </p:nvSpPr>
         <p:spPr>
           <a:xfrm>
-            <a:off x="10292346" y="4896230"/>
+            <a:off x="9640701" y="5950741"/>
             <a:ext cx="814845" cy="690619"/>
           </a:xfrm>
           <a:prstGeom prst="ellipse">
@@ -5122,21 +6752,95 @@
             <a:pPr algn="ctr"/>
             <a:r>
               <a:rPr lang="ko-KR" altLang="en-US" sz="1200" dirty="0" smtClean="0"/>
-              <a:t>내용</a:t>
+              <a:t>일기</a:t>
+            </a:r>
+            <a:endParaRPr lang="en-US" altLang="ko-KR" sz="1200" dirty="0" smtClean="0"/>
+          </a:p>
+          <a:p>
+            <a:pPr algn="ctr"/>
+            <a:r>
+              <a:rPr lang="ko-KR" altLang="en-US" sz="1200" dirty="0" smtClean="0"/>
+              <a:t>제목</a:t>
             </a:r>
             <a:endParaRPr lang="ko-KR" altLang="en-US" sz="1200" dirty="0"/>
           </a:p>
         </p:txBody>
       </p:sp>
-      <p:sp>
-        <p:nvSpPr>
-          <p:cNvPr id="52" name="타원 51"/>
+      <p:cxnSp>
+        <p:nvCxnSpPr>
+          <p:cNvPr id="201" name="직선 연결선 200"/>
+          <p:cNvCxnSpPr>
+            <a:stCxn id="11" idx="2"/>
+            <a:endCxn id="193" idx="0"/>
+          </p:cNvCxnSpPr>
+          <p:nvPr/>
+        </p:nvCxnSpPr>
+        <p:spPr>
+          <a:xfrm>
+            <a:off x="9115715" y="5496285"/>
+            <a:ext cx="932409" cy="454456"/>
+          </a:xfrm>
+          <a:prstGeom prst="line">
+            <a:avLst/>
+          </a:prstGeom>
+        </p:spPr>
+        <p:style>
+          <a:lnRef idx="1">
+            <a:schemeClr val="accent1"/>
+          </a:lnRef>
+          <a:fillRef idx="0">
+            <a:schemeClr val="accent1"/>
+          </a:fillRef>
+          <a:effectRef idx="0">
+            <a:schemeClr val="accent1"/>
+          </a:effectRef>
+          <a:fontRef idx="minor">
+            <a:schemeClr val="tx1"/>
+          </a:fontRef>
+        </p:style>
+      </p:cxnSp>
+      <p:cxnSp>
+        <p:nvCxnSpPr>
+          <p:cNvPr id="205" name="직선 연결선 204"/>
+          <p:cNvCxnSpPr>
+            <a:stCxn id="11" idx="2"/>
+            <a:endCxn id="192" idx="0"/>
+          </p:cNvCxnSpPr>
+          <p:nvPr/>
+        </p:nvCxnSpPr>
+        <p:spPr>
+          <a:xfrm>
+            <a:off x="9115715" y="5496285"/>
+            <a:ext cx="1847805" cy="447091"/>
+          </a:xfrm>
+          <a:prstGeom prst="line">
+            <a:avLst/>
+          </a:prstGeom>
+        </p:spPr>
+        <p:style>
+          <a:lnRef idx="1">
+            <a:schemeClr val="accent1"/>
+          </a:lnRef>
+          <a:fillRef idx="0">
+            <a:schemeClr val="accent1"/>
+          </a:fillRef>
+          <a:effectRef idx="0">
+            <a:schemeClr val="accent1"/>
+          </a:effectRef>
+          <a:fontRef idx="minor">
+            <a:schemeClr val="tx1"/>
+          </a:fontRef>
+        </p:style>
+      </p:cxnSp>
+      <p:sp>
+        <p:nvSpPr>
+          <p:cNvPr id="128" name="타원 127"/>
           <p:cNvSpPr/>
           <p:nvPr/>
         </p:nvSpPr>
         <p:spPr>
           <a:xfrm>
-            <a:off x="11212824" y="4896230"/>
+            <a:off x="6429881" y="4049265"/>
             <a:ext cx="814845" cy="690619"/>
           </a:xfrm>
           <a:prstGeom prst="ellipse">
@@ -5173,1787 +6877,24 @@
           <a:p>
             <a:pPr algn="ctr"/>
             <a:r>
-              <a:rPr lang="ko-KR" altLang="en-US" sz="1200" dirty="0" smtClean="0"/>
-              <a:t>날짜</a:t>
-            </a:r>
-            <a:endParaRPr lang="ko-KR" altLang="en-US" sz="1200" dirty="0"/>
-          </a:p>
-        </p:txBody>
-      </p:sp>
-      <p:sp>
-        <p:nvSpPr>
-          <p:cNvPr id="53" name="TextBox 52"/>
-          <p:cNvSpPr txBox="1"/>
-          <p:nvPr/>
-        </p:nvSpPr>
-        <p:spPr>
-          <a:xfrm>
-            <a:off x="145259" y="138371"/>
-            <a:ext cx="4291678" cy="830997"/>
-          </a:xfrm>
-          <a:prstGeom prst="rect">
-            <a:avLst/>
-          </a:prstGeom>
-          <a:noFill/>
-        </p:spPr>
-        <p:txBody>
-          <a:bodyPr wrap="square" rtlCol="0">
-            <a:spAutoFit/>
-          </a:bodyPr>
-          <a:lstStyle/>
-          <a:p>
-            <a:r>
-              <a:rPr lang="ko-KR" altLang="en-US" sz="4800" dirty="0" smtClean="0"/>
-              <a:t>개체 정의</a:t>
-            </a:r>
-            <a:endParaRPr lang="ko-KR" altLang="en-US" sz="4800" dirty="0"/>
-          </a:p>
-        </p:txBody>
-      </p:sp>
-      <p:cxnSp>
-        <p:nvCxnSpPr>
-          <p:cNvPr id="55" name="직선 연결선 54"/>
-          <p:cNvCxnSpPr>
-            <a:stCxn id="15" idx="4"/>
-            <a:endCxn id="4" idx="0"/>
-          </p:cNvCxnSpPr>
-          <p:nvPr/>
-        </p:nvCxnSpPr>
-        <p:spPr>
-          <a:xfrm>
-            <a:off x="541486" y="1837037"/>
-            <a:ext cx="1938546" cy="341564"/>
-          </a:xfrm>
-          <a:prstGeom prst="line">
-            <a:avLst/>
-          </a:prstGeom>
-        </p:spPr>
-        <p:style>
-          <a:lnRef idx="1">
-            <a:schemeClr val="accent1"/>
-          </a:lnRef>
-          <a:fillRef idx="0">
-            <a:schemeClr val="accent1"/>
-          </a:fillRef>
-          <a:effectRef idx="0">
-            <a:schemeClr val="accent1"/>
-          </a:effectRef>
-          <a:fontRef idx="minor">
-            <a:schemeClr val="tx1"/>
-          </a:fontRef>
-        </p:style>
-      </p:cxnSp>
-      <p:cxnSp>
-        <p:nvCxnSpPr>
-          <p:cNvPr id="58" name="직선 연결선 57"/>
-          <p:cNvCxnSpPr>
-            <a:stCxn id="16" idx="4"/>
-            <a:endCxn id="4" idx="0"/>
-          </p:cNvCxnSpPr>
-          <p:nvPr/>
-        </p:nvCxnSpPr>
-        <p:spPr>
-          <a:xfrm>
-            <a:off x="1463010" y="1837037"/>
-            <a:ext cx="1017022" cy="341564"/>
-          </a:xfrm>
-          <a:prstGeom prst="line">
-            <a:avLst/>
-          </a:prstGeom>
-        </p:spPr>
-        <p:style>
-          <a:lnRef idx="1">
-            <a:schemeClr val="accent1"/>
-          </a:lnRef>
-          <a:fillRef idx="0">
-            <a:schemeClr val="accent1"/>
-          </a:fillRef>
-          <a:effectRef idx="0">
-            <a:schemeClr val="accent1"/>
-          </a:effectRef>
-          <a:fontRef idx="minor">
-            <a:schemeClr val="tx1"/>
-          </a:fontRef>
-        </p:style>
-      </p:cxnSp>
-      <p:cxnSp>
-        <p:nvCxnSpPr>
-          <p:cNvPr id="61" name="직선 연결선 60"/>
-          <p:cNvCxnSpPr>
-            <a:stCxn id="17" idx="4"/>
-            <a:endCxn id="4" idx="0"/>
-          </p:cNvCxnSpPr>
-          <p:nvPr/>
-        </p:nvCxnSpPr>
-        <p:spPr>
-          <a:xfrm>
-            <a:off x="2380426" y="1837037"/>
-            <a:ext cx="99606" cy="341564"/>
-          </a:xfrm>
-          <a:prstGeom prst="line">
-            <a:avLst/>
-          </a:prstGeom>
-        </p:spPr>
-        <p:style>
-          <a:lnRef idx="1">
-            <a:schemeClr val="accent1"/>
-          </a:lnRef>
-          <a:fillRef idx="0">
-            <a:schemeClr val="accent1"/>
-          </a:fillRef>
-          <a:effectRef idx="0">
-            <a:schemeClr val="accent1"/>
-          </a:effectRef>
-          <a:fontRef idx="minor">
-            <a:schemeClr val="tx1"/>
-          </a:fontRef>
-        </p:style>
-      </p:cxnSp>
-      <p:cxnSp>
-        <p:nvCxnSpPr>
-          <p:cNvPr id="64" name="직선 연결선 63"/>
-          <p:cNvCxnSpPr>
-            <a:stCxn id="18" idx="4"/>
-            <a:endCxn id="4" idx="0"/>
-          </p:cNvCxnSpPr>
-          <p:nvPr/>
-        </p:nvCxnSpPr>
-        <p:spPr>
-          <a:xfrm flipH="1">
-            <a:off x="2480032" y="1837037"/>
-            <a:ext cx="835950" cy="341564"/>
-          </a:xfrm>
-          <a:prstGeom prst="line">
-            <a:avLst/>
-          </a:prstGeom>
-        </p:spPr>
-        <p:style>
-          <a:lnRef idx="1">
-            <a:schemeClr val="accent1"/>
-          </a:lnRef>
-          <a:fillRef idx="0">
-            <a:schemeClr val="accent1"/>
-          </a:fillRef>
-          <a:effectRef idx="0">
-            <a:schemeClr val="accent1"/>
-          </a:effectRef>
-          <a:fontRef idx="minor">
-            <a:schemeClr val="tx1"/>
-          </a:fontRef>
-        </p:style>
-      </p:cxnSp>
-      <p:cxnSp>
-        <p:nvCxnSpPr>
-          <p:cNvPr id="65" name="직선 연결선 64"/>
-          <p:cNvCxnSpPr>
-            <a:stCxn id="19" idx="4"/>
-            <a:endCxn id="4" idx="0"/>
-          </p:cNvCxnSpPr>
-          <p:nvPr/>
-        </p:nvCxnSpPr>
-        <p:spPr>
-          <a:xfrm flipH="1">
-            <a:off x="2480032" y="1837037"/>
-            <a:ext cx="1771506" cy="341564"/>
-          </a:xfrm>
-          <a:prstGeom prst="line">
-            <a:avLst/>
-          </a:prstGeom>
-        </p:spPr>
-        <p:style>
-          <a:lnRef idx="1">
-            <a:schemeClr val="accent1"/>
-          </a:lnRef>
-          <a:fillRef idx="0">
-            <a:schemeClr val="accent1"/>
-          </a:fillRef>
-          <a:effectRef idx="0">
-            <a:schemeClr val="accent1"/>
-          </a:effectRef>
-          <a:fontRef idx="minor">
-            <a:schemeClr val="tx1"/>
-          </a:fontRef>
-        </p:style>
-      </p:cxnSp>
-      <p:cxnSp>
-        <p:nvCxnSpPr>
-          <p:cNvPr id="68" name="직선 연결선 67"/>
-          <p:cNvCxnSpPr>
-            <a:stCxn id="11" idx="2"/>
-            <a:endCxn id="39" idx="0"/>
-          </p:cNvCxnSpPr>
-          <p:nvPr/>
-        </p:nvCxnSpPr>
-        <p:spPr>
-          <a:xfrm flipH="1">
-            <a:off x="3937771" y="4418252"/>
-            <a:ext cx="2337184" cy="423887"/>
-          </a:xfrm>
-          <a:prstGeom prst="line">
-            <a:avLst/>
-          </a:prstGeom>
-        </p:spPr>
-        <p:style>
-          <a:lnRef idx="1">
-            <a:schemeClr val="accent1"/>
-          </a:lnRef>
-          <a:fillRef idx="0">
-            <a:schemeClr val="accent1"/>
-          </a:fillRef>
-          <a:effectRef idx="0">
-            <a:schemeClr val="accent1"/>
-          </a:effectRef>
-          <a:fontRef idx="minor">
-            <a:schemeClr val="tx1"/>
-          </a:fontRef>
-        </p:style>
-      </p:cxnSp>
-      <p:cxnSp>
-        <p:nvCxnSpPr>
-          <p:cNvPr id="71" name="직선 연결선 70"/>
-          <p:cNvCxnSpPr>
-            <a:stCxn id="11" idx="2"/>
-            <a:endCxn id="40" idx="0"/>
-          </p:cNvCxnSpPr>
-          <p:nvPr/>
-        </p:nvCxnSpPr>
-        <p:spPr>
-          <a:xfrm flipH="1">
-            <a:off x="4864846" y="4418252"/>
-            <a:ext cx="1410109" cy="421029"/>
-          </a:xfrm>
-          <a:prstGeom prst="line">
-            <a:avLst/>
-          </a:prstGeom>
-        </p:spPr>
-        <p:style>
-          <a:lnRef idx="1">
-            <a:schemeClr val="accent1"/>
-          </a:lnRef>
-          <a:fillRef idx="0">
-            <a:schemeClr val="accent1"/>
-          </a:fillRef>
-          <a:effectRef idx="0">
-            <a:schemeClr val="accent1"/>
-          </a:effectRef>
-          <a:fontRef idx="minor">
-            <a:schemeClr val="tx1"/>
-          </a:fontRef>
-        </p:style>
-      </p:cxnSp>
-      <p:cxnSp>
-        <p:nvCxnSpPr>
-          <p:cNvPr id="74" name="직선 연결선 73"/>
-          <p:cNvCxnSpPr>
-            <a:stCxn id="11" idx="2"/>
-            <a:endCxn id="41" idx="0"/>
-          </p:cNvCxnSpPr>
-          <p:nvPr/>
-        </p:nvCxnSpPr>
-        <p:spPr>
-          <a:xfrm flipH="1">
-            <a:off x="5791920" y="4418252"/>
-            <a:ext cx="483035" cy="421029"/>
-          </a:xfrm>
-          <a:prstGeom prst="line">
-            <a:avLst/>
-          </a:prstGeom>
-        </p:spPr>
-        <p:style>
-          <a:lnRef idx="1">
-            <a:schemeClr val="accent1"/>
-          </a:lnRef>
-          <a:fillRef idx="0">
-            <a:schemeClr val="accent1"/>
-          </a:fillRef>
-          <a:effectRef idx="0">
-            <a:schemeClr val="accent1"/>
-          </a:effectRef>
-          <a:fontRef idx="minor">
-            <a:schemeClr val="tx1"/>
-          </a:fontRef>
-        </p:style>
-      </p:cxnSp>
-      <p:cxnSp>
-        <p:nvCxnSpPr>
-          <p:cNvPr id="77" name="직선 연결선 76"/>
-          <p:cNvCxnSpPr>
-            <a:stCxn id="11" idx="2"/>
-            <a:endCxn id="42" idx="0"/>
-          </p:cNvCxnSpPr>
-          <p:nvPr/>
-        </p:nvCxnSpPr>
-        <p:spPr>
-          <a:xfrm>
-            <a:off x="6274955" y="4418252"/>
-            <a:ext cx="444040" cy="421029"/>
-          </a:xfrm>
-          <a:prstGeom prst="line">
-            <a:avLst/>
-          </a:prstGeom>
-        </p:spPr>
-        <p:style>
-          <a:lnRef idx="1">
-            <a:schemeClr val="accent1"/>
-          </a:lnRef>
-          <a:fillRef idx="0">
-            <a:schemeClr val="accent1"/>
-          </a:fillRef>
-          <a:effectRef idx="0">
-            <a:schemeClr val="accent1"/>
-          </a:effectRef>
-          <a:fontRef idx="minor">
-            <a:schemeClr val="tx1"/>
-          </a:fontRef>
-        </p:style>
-      </p:cxnSp>
-      <p:cxnSp>
-        <p:nvCxnSpPr>
-          <p:cNvPr id="80" name="직선 연결선 79"/>
-          <p:cNvCxnSpPr>
-            <a:stCxn id="10" idx="2"/>
-            <a:endCxn id="32" idx="0"/>
-          </p:cNvCxnSpPr>
-          <p:nvPr/>
-        </p:nvCxnSpPr>
-        <p:spPr>
-          <a:xfrm flipH="1">
-            <a:off x="552682" y="3758291"/>
-            <a:ext cx="935085" cy="277100"/>
-          </a:xfrm>
-          <a:prstGeom prst="line">
-            <a:avLst/>
-          </a:prstGeom>
-        </p:spPr>
-        <p:style>
-          <a:lnRef idx="1">
-            <a:schemeClr val="accent1"/>
-          </a:lnRef>
-          <a:fillRef idx="0">
-            <a:schemeClr val="accent1"/>
-          </a:fillRef>
-          <a:effectRef idx="0">
-            <a:schemeClr val="accent1"/>
-          </a:effectRef>
-          <a:fontRef idx="minor">
-            <a:schemeClr val="tx1"/>
-          </a:fontRef>
-        </p:style>
-      </p:cxnSp>
-      <p:cxnSp>
-        <p:nvCxnSpPr>
-          <p:cNvPr id="83" name="직선 연결선 82"/>
-          <p:cNvCxnSpPr>
-            <a:stCxn id="20" idx="4"/>
-            <a:endCxn id="5" idx="0"/>
-          </p:cNvCxnSpPr>
-          <p:nvPr/>
-        </p:nvCxnSpPr>
-        <p:spPr>
-          <a:xfrm>
-            <a:off x="5541577" y="1837038"/>
-            <a:ext cx="932330" cy="341563"/>
-          </a:xfrm>
-          <a:prstGeom prst="line">
-            <a:avLst/>
-          </a:prstGeom>
-        </p:spPr>
-        <p:style>
-          <a:lnRef idx="1">
-            <a:schemeClr val="accent1"/>
-          </a:lnRef>
-          <a:fillRef idx="0">
-            <a:schemeClr val="accent1"/>
-          </a:fillRef>
-          <a:effectRef idx="0">
-            <a:schemeClr val="accent1"/>
-          </a:effectRef>
-          <a:fontRef idx="minor">
-            <a:schemeClr val="tx1"/>
-          </a:fontRef>
-        </p:style>
-      </p:cxnSp>
-      <p:cxnSp>
-        <p:nvCxnSpPr>
-          <p:cNvPr id="86" name="직선 연결선 85"/>
-          <p:cNvCxnSpPr>
-            <a:stCxn id="10" idx="2"/>
-            <a:endCxn id="34" idx="0"/>
-          </p:cNvCxnSpPr>
-          <p:nvPr/>
-        </p:nvCxnSpPr>
-        <p:spPr>
-          <a:xfrm>
-            <a:off x="1487767" y="3758291"/>
-            <a:ext cx="917887" cy="277099"/>
-          </a:xfrm>
-          <a:prstGeom prst="line">
-            <a:avLst/>
-          </a:prstGeom>
-        </p:spPr>
-        <p:style>
-          <a:lnRef idx="1">
-            <a:schemeClr val="accent1"/>
-          </a:lnRef>
-          <a:fillRef idx="0">
-            <a:schemeClr val="accent1"/>
-          </a:fillRef>
-          <a:effectRef idx="0">
-            <a:schemeClr val="accent1"/>
-          </a:effectRef>
-          <a:fontRef idx="minor">
-            <a:schemeClr val="tx1"/>
-          </a:fontRef>
-        </p:style>
-      </p:cxnSp>
-      <p:cxnSp>
-        <p:nvCxnSpPr>
-          <p:cNvPr id="91" name="직선 연결선 90"/>
-          <p:cNvCxnSpPr>
-            <a:stCxn id="21" idx="4"/>
-            <a:endCxn id="5" idx="0"/>
-          </p:cNvCxnSpPr>
-          <p:nvPr/>
-        </p:nvCxnSpPr>
-        <p:spPr>
-          <a:xfrm flipH="1">
-            <a:off x="6473907" y="1837037"/>
-            <a:ext cx="3226" cy="341564"/>
-          </a:xfrm>
-          <a:prstGeom prst="line">
-            <a:avLst/>
-          </a:prstGeom>
-        </p:spPr>
-        <p:style>
-          <a:lnRef idx="1">
-            <a:schemeClr val="accent1"/>
-          </a:lnRef>
-          <a:fillRef idx="0">
-            <a:schemeClr val="accent1"/>
-          </a:fillRef>
-          <a:effectRef idx="0">
-            <a:schemeClr val="accent1"/>
-          </a:effectRef>
-          <a:fontRef idx="minor">
-            <a:schemeClr val="tx1"/>
-          </a:fontRef>
-        </p:style>
-      </p:cxnSp>
-      <p:cxnSp>
-        <p:nvCxnSpPr>
-          <p:cNvPr id="94" name="직선 연결선 93"/>
-          <p:cNvCxnSpPr>
-            <a:stCxn id="22" idx="4"/>
-            <a:endCxn id="5" idx="0"/>
-          </p:cNvCxnSpPr>
-          <p:nvPr/>
-        </p:nvCxnSpPr>
-        <p:spPr>
-          <a:xfrm flipH="1">
-            <a:off x="6473907" y="1837037"/>
-            <a:ext cx="920642" cy="341564"/>
-          </a:xfrm>
-          <a:prstGeom prst="line">
-            <a:avLst/>
-          </a:prstGeom>
-        </p:spPr>
-        <p:style>
-          <a:lnRef idx="1">
-            <a:schemeClr val="accent1"/>
-          </a:lnRef>
-          <a:fillRef idx="0">
-            <a:schemeClr val="accent1"/>
-          </a:fillRef>
-          <a:effectRef idx="0">
-            <a:schemeClr val="accent1"/>
-          </a:effectRef>
-          <a:fontRef idx="minor">
-            <a:schemeClr val="tx1"/>
-          </a:fontRef>
-        </p:style>
-      </p:cxnSp>
-      <p:cxnSp>
-        <p:nvCxnSpPr>
-          <p:cNvPr id="97" name="직선 연결선 96"/>
-          <p:cNvCxnSpPr>
-            <a:stCxn id="23" idx="4"/>
-            <a:endCxn id="6" idx="0"/>
-          </p:cNvCxnSpPr>
-          <p:nvPr/>
-        </p:nvCxnSpPr>
-        <p:spPr>
-          <a:xfrm>
-            <a:off x="8603164" y="1837036"/>
-            <a:ext cx="1433029" cy="341565"/>
-          </a:xfrm>
-          <a:prstGeom prst="line">
-            <a:avLst/>
-          </a:prstGeom>
-        </p:spPr>
-        <p:style>
-          <a:lnRef idx="1">
-            <a:schemeClr val="accent1"/>
-          </a:lnRef>
-          <a:fillRef idx="0">
-            <a:schemeClr val="accent1"/>
-          </a:fillRef>
-          <a:effectRef idx="0">
-            <a:schemeClr val="accent1"/>
-          </a:effectRef>
-          <a:fontRef idx="minor">
-            <a:schemeClr val="tx1"/>
-          </a:fontRef>
-        </p:style>
-      </p:cxnSp>
-      <p:cxnSp>
-        <p:nvCxnSpPr>
-          <p:cNvPr id="100" name="직선 연결선 99"/>
-          <p:cNvCxnSpPr>
-            <a:stCxn id="24" idx="4"/>
-            <a:endCxn id="6" idx="0"/>
-          </p:cNvCxnSpPr>
-          <p:nvPr/>
-        </p:nvCxnSpPr>
-        <p:spPr>
-          <a:xfrm>
-            <a:off x="9523138" y="1837036"/>
-            <a:ext cx="513055" cy="341565"/>
-          </a:xfrm>
-          <a:prstGeom prst="line">
-            <a:avLst/>
-          </a:prstGeom>
-        </p:spPr>
-        <p:style>
-          <a:lnRef idx="1">
-            <a:schemeClr val="accent1"/>
-          </a:lnRef>
-          <a:fillRef idx="0">
-            <a:schemeClr val="accent1"/>
-          </a:fillRef>
-          <a:effectRef idx="0">
-            <a:schemeClr val="accent1"/>
-          </a:effectRef>
-          <a:fontRef idx="minor">
-            <a:schemeClr val="tx1"/>
-          </a:fontRef>
-        </p:style>
-      </p:cxnSp>
-      <p:cxnSp>
-        <p:nvCxnSpPr>
-          <p:cNvPr id="103" name="직선 연결선 102"/>
-          <p:cNvCxnSpPr>
-            <a:stCxn id="25" idx="4"/>
-            <a:endCxn id="6" idx="0"/>
-          </p:cNvCxnSpPr>
-          <p:nvPr/>
-        </p:nvCxnSpPr>
-        <p:spPr>
-          <a:xfrm flipH="1">
-            <a:off x="10036193" y="1837036"/>
-            <a:ext cx="407423" cy="341565"/>
-          </a:xfrm>
-          <a:prstGeom prst="line">
-            <a:avLst/>
-          </a:prstGeom>
-        </p:spPr>
-        <p:style>
-          <a:lnRef idx="1">
-            <a:schemeClr val="accent1"/>
-          </a:lnRef>
-          <a:fillRef idx="0">
-            <a:schemeClr val="accent1"/>
-          </a:fillRef>
-          <a:effectRef idx="0">
-            <a:schemeClr val="accent1"/>
-          </a:effectRef>
-          <a:fontRef idx="minor">
-            <a:schemeClr val="tx1"/>
-          </a:fontRef>
-        </p:style>
-      </p:cxnSp>
-      <p:cxnSp>
-        <p:nvCxnSpPr>
-          <p:cNvPr id="107" name="직선 연결선 106"/>
-          <p:cNvCxnSpPr>
-            <a:stCxn id="26" idx="3"/>
-            <a:endCxn id="6" idx="0"/>
-          </p:cNvCxnSpPr>
-          <p:nvPr/>
-        </p:nvCxnSpPr>
-        <p:spPr>
-          <a:xfrm flipH="1">
-            <a:off x="10036193" y="1735897"/>
-            <a:ext cx="1039809" cy="442704"/>
-          </a:xfrm>
-          <a:prstGeom prst="line">
-            <a:avLst/>
-          </a:prstGeom>
-        </p:spPr>
-        <p:style>
-          <a:lnRef idx="1">
-            <a:schemeClr val="accent1"/>
-          </a:lnRef>
-          <a:fillRef idx="0">
-            <a:schemeClr val="accent1"/>
-          </a:fillRef>
-          <a:effectRef idx="0">
-            <a:schemeClr val="accent1"/>
-          </a:effectRef>
-          <a:fontRef idx="minor">
-            <a:schemeClr val="tx1"/>
-          </a:fontRef>
-        </p:style>
-      </p:cxnSp>
-      <p:cxnSp>
-        <p:nvCxnSpPr>
-          <p:cNvPr id="110" name="직선 연결선 109"/>
-          <p:cNvCxnSpPr>
-            <a:stCxn id="27" idx="2"/>
-            <a:endCxn id="6" idx="3"/>
-          </p:cNvCxnSpPr>
-          <p:nvPr/>
-        </p:nvCxnSpPr>
-        <p:spPr>
-          <a:xfrm flipH="1">
-            <a:off x="10645793" y="2480366"/>
-            <a:ext cx="401110" cy="3035"/>
-          </a:xfrm>
-          <a:prstGeom prst="line">
-            <a:avLst/>
-          </a:prstGeom>
-        </p:spPr>
-        <p:style>
-          <a:lnRef idx="1">
-            <a:schemeClr val="accent1"/>
-          </a:lnRef>
-          <a:fillRef idx="0">
-            <a:schemeClr val="accent1"/>
-          </a:fillRef>
-          <a:effectRef idx="0">
-            <a:schemeClr val="accent1"/>
-          </a:effectRef>
-          <a:fontRef idx="minor">
-            <a:schemeClr val="tx1"/>
-          </a:fontRef>
-        </p:style>
-      </p:cxnSp>
-      <p:cxnSp>
-        <p:nvCxnSpPr>
-          <p:cNvPr id="113" name="직선 연결선 112"/>
-          <p:cNvCxnSpPr>
-            <a:stCxn id="14" idx="2"/>
-            <a:endCxn id="50" idx="0"/>
-          </p:cNvCxnSpPr>
-          <p:nvPr/>
-        </p:nvCxnSpPr>
-        <p:spPr>
-          <a:xfrm flipH="1">
-            <a:off x="9779795" y="4685499"/>
-            <a:ext cx="919973" cy="210731"/>
-          </a:xfrm>
-          <a:prstGeom prst="line">
-            <a:avLst/>
-          </a:prstGeom>
-        </p:spPr>
-        <p:style>
-          <a:lnRef idx="1">
-            <a:schemeClr val="accent1"/>
-          </a:lnRef>
-          <a:fillRef idx="0">
-            <a:schemeClr val="accent1"/>
-          </a:fillRef>
-          <a:effectRef idx="0">
-            <a:schemeClr val="accent1"/>
-          </a:effectRef>
-          <a:fontRef idx="minor">
-            <a:schemeClr val="tx1"/>
-          </a:fontRef>
-        </p:style>
-      </p:cxnSp>
-      <p:cxnSp>
-        <p:nvCxnSpPr>
-          <p:cNvPr id="116" name="직선 연결선 115"/>
-          <p:cNvCxnSpPr>
-            <a:stCxn id="14" idx="2"/>
-            <a:endCxn id="51" idx="0"/>
-          </p:cNvCxnSpPr>
-          <p:nvPr/>
-        </p:nvCxnSpPr>
-        <p:spPr>
-          <a:xfrm>
-            <a:off x="10699768" y="4685499"/>
-            <a:ext cx="1" cy="210731"/>
-          </a:xfrm>
-          <a:prstGeom prst="line">
-            <a:avLst/>
-          </a:prstGeom>
-        </p:spPr>
-        <p:style>
-          <a:lnRef idx="1">
-            <a:schemeClr val="accent1"/>
-          </a:lnRef>
-          <a:fillRef idx="0">
-            <a:schemeClr val="accent1"/>
-          </a:fillRef>
-          <a:effectRef idx="0">
-            <a:schemeClr val="accent1"/>
-          </a:effectRef>
-          <a:fontRef idx="minor">
-            <a:schemeClr val="tx1"/>
-          </a:fontRef>
-        </p:style>
-      </p:cxnSp>
-      <p:cxnSp>
-        <p:nvCxnSpPr>
-          <p:cNvPr id="119" name="직선 연결선 118"/>
-          <p:cNvCxnSpPr>
-            <a:stCxn id="14" idx="2"/>
-            <a:endCxn id="52" idx="0"/>
-          </p:cNvCxnSpPr>
-          <p:nvPr/>
-        </p:nvCxnSpPr>
-        <p:spPr>
-          <a:xfrm>
-            <a:off x="10699768" y="4685499"/>
-            <a:ext cx="920479" cy="210731"/>
-          </a:xfrm>
-          <a:prstGeom prst="line">
-            <a:avLst/>
-          </a:prstGeom>
-        </p:spPr>
-        <p:style>
-          <a:lnRef idx="1">
-            <a:schemeClr val="accent1"/>
-          </a:lnRef>
-          <a:fillRef idx="0">
-            <a:schemeClr val="accent1"/>
-          </a:fillRef>
-          <a:effectRef idx="0">
-            <a:schemeClr val="accent1"/>
-          </a:effectRef>
-          <a:fontRef idx="minor">
-            <a:schemeClr val="tx1"/>
-          </a:fontRef>
-        </p:style>
-      </p:cxnSp>
-      <p:cxnSp>
-        <p:nvCxnSpPr>
-          <p:cNvPr id="122" name="직선 연결선 121"/>
-          <p:cNvCxnSpPr>
-            <a:stCxn id="47" idx="4"/>
-            <a:endCxn id="7" idx="0"/>
-          </p:cNvCxnSpPr>
-          <p:nvPr/>
-        </p:nvCxnSpPr>
-        <p:spPr>
-          <a:xfrm>
-            <a:off x="3582997" y="2867666"/>
-            <a:ext cx="921535" cy="201997"/>
-          </a:xfrm>
-          <a:prstGeom prst="line">
-            <a:avLst/>
-          </a:prstGeom>
-        </p:spPr>
-        <p:style>
-          <a:lnRef idx="1">
-            <a:schemeClr val="accent1"/>
-          </a:lnRef>
-          <a:fillRef idx="0">
-            <a:schemeClr val="accent1"/>
-          </a:fillRef>
-          <a:effectRef idx="0">
-            <a:schemeClr val="accent1"/>
-          </a:effectRef>
-          <a:fontRef idx="minor">
-            <a:schemeClr val="tx1"/>
-          </a:fontRef>
-        </p:style>
-      </p:cxnSp>
-      <p:cxnSp>
-        <p:nvCxnSpPr>
-          <p:cNvPr id="125" name="직선 연결선 124"/>
-          <p:cNvCxnSpPr>
-            <a:stCxn id="48" idx="4"/>
-            <a:endCxn id="7" idx="0"/>
-          </p:cNvCxnSpPr>
-          <p:nvPr/>
-        </p:nvCxnSpPr>
-        <p:spPr>
-          <a:xfrm>
-            <a:off x="4502971" y="2867666"/>
-            <a:ext cx="1561" cy="201997"/>
-          </a:xfrm>
-          <a:prstGeom prst="line">
-            <a:avLst/>
-          </a:prstGeom>
-        </p:spPr>
-        <p:style>
-          <a:lnRef idx="1">
-            <a:schemeClr val="accent1"/>
-          </a:lnRef>
-          <a:fillRef idx="0">
-            <a:schemeClr val="accent1"/>
-          </a:fillRef>
-          <a:effectRef idx="0">
-            <a:schemeClr val="accent1"/>
-          </a:effectRef>
-          <a:fontRef idx="minor">
-            <a:schemeClr val="tx1"/>
-          </a:fontRef>
-        </p:style>
-      </p:cxnSp>
-      <p:cxnSp>
-        <p:nvCxnSpPr>
-          <p:cNvPr id="129" name="직선 연결선 128"/>
-          <p:cNvCxnSpPr>
-            <a:stCxn id="49" idx="4"/>
-            <a:endCxn id="7" idx="0"/>
-          </p:cNvCxnSpPr>
-          <p:nvPr/>
-        </p:nvCxnSpPr>
-        <p:spPr>
-          <a:xfrm flipH="1">
-            <a:off x="4504532" y="2867666"/>
-            <a:ext cx="918917" cy="201997"/>
-          </a:xfrm>
-          <a:prstGeom prst="line">
-            <a:avLst/>
-          </a:prstGeom>
-        </p:spPr>
-        <p:style>
-          <a:lnRef idx="1">
-            <a:schemeClr val="accent1"/>
-          </a:lnRef>
-          <a:fillRef idx="0">
-            <a:schemeClr val="accent1"/>
-          </a:fillRef>
-          <a:effectRef idx="0">
-            <a:schemeClr val="accent1"/>
-          </a:effectRef>
-          <a:fontRef idx="minor">
-            <a:schemeClr val="tx1"/>
-          </a:fontRef>
-        </p:style>
-      </p:cxnSp>
-      <p:cxnSp>
-        <p:nvCxnSpPr>
-          <p:cNvPr id="132" name="직선 연결선 131"/>
-          <p:cNvCxnSpPr>
-            <a:stCxn id="8" idx="2"/>
-            <a:endCxn id="43" idx="0"/>
-          </p:cNvCxnSpPr>
-          <p:nvPr/>
-        </p:nvCxnSpPr>
-        <p:spPr>
-          <a:xfrm flipH="1">
-            <a:off x="665226" y="5679182"/>
-            <a:ext cx="1835083" cy="342129"/>
-          </a:xfrm>
-          <a:prstGeom prst="line">
-            <a:avLst/>
-          </a:prstGeom>
-        </p:spPr>
-        <p:style>
-          <a:lnRef idx="1">
-            <a:schemeClr val="accent1"/>
-          </a:lnRef>
-          <a:fillRef idx="0">
-            <a:schemeClr val="accent1"/>
-          </a:fillRef>
-          <a:effectRef idx="0">
-            <a:schemeClr val="accent1"/>
-          </a:effectRef>
-          <a:fontRef idx="minor">
-            <a:schemeClr val="tx1"/>
-          </a:fontRef>
-        </p:style>
-      </p:cxnSp>
-      <p:cxnSp>
-        <p:nvCxnSpPr>
-          <p:cNvPr id="135" name="직선 연결선 134"/>
-          <p:cNvCxnSpPr>
-            <a:stCxn id="8" idx="2"/>
-            <a:endCxn id="44" idx="0"/>
-          </p:cNvCxnSpPr>
-          <p:nvPr/>
-        </p:nvCxnSpPr>
-        <p:spPr>
-          <a:xfrm flipH="1">
-            <a:off x="1585200" y="5679182"/>
-            <a:ext cx="915109" cy="342129"/>
-          </a:xfrm>
-          <a:prstGeom prst="line">
-            <a:avLst/>
-          </a:prstGeom>
-        </p:spPr>
-        <p:style>
-          <a:lnRef idx="1">
-            <a:schemeClr val="accent1"/>
-          </a:lnRef>
-          <a:fillRef idx="0">
-            <a:schemeClr val="accent1"/>
-          </a:fillRef>
-          <a:effectRef idx="0">
-            <a:schemeClr val="accent1"/>
-          </a:effectRef>
-          <a:fontRef idx="minor">
-            <a:schemeClr val="tx1"/>
-          </a:fontRef>
-        </p:style>
-      </p:cxnSp>
-      <p:cxnSp>
-        <p:nvCxnSpPr>
-          <p:cNvPr id="138" name="직선 연결선 137"/>
-          <p:cNvCxnSpPr>
-            <a:stCxn id="8" idx="2"/>
-            <a:endCxn id="45" idx="0"/>
-          </p:cNvCxnSpPr>
-          <p:nvPr/>
-        </p:nvCxnSpPr>
-        <p:spPr>
-          <a:xfrm>
-            <a:off x="2500309" y="5679182"/>
-            <a:ext cx="5369" cy="342129"/>
-          </a:xfrm>
-          <a:prstGeom prst="line">
-            <a:avLst/>
-          </a:prstGeom>
-        </p:spPr>
-        <p:style>
-          <a:lnRef idx="1">
-            <a:schemeClr val="accent1"/>
-          </a:lnRef>
-          <a:fillRef idx="0">
-            <a:schemeClr val="accent1"/>
-          </a:fillRef>
-          <a:effectRef idx="0">
-            <a:schemeClr val="accent1"/>
-          </a:effectRef>
-          <a:fontRef idx="minor">
-            <a:schemeClr val="tx1"/>
-          </a:fontRef>
-        </p:style>
-      </p:cxnSp>
-      <p:cxnSp>
-        <p:nvCxnSpPr>
-          <p:cNvPr id="141" name="직선 연결선 140"/>
-          <p:cNvCxnSpPr>
-            <a:stCxn id="8" idx="2"/>
-            <a:endCxn id="46" idx="0"/>
-          </p:cNvCxnSpPr>
-          <p:nvPr/>
-        </p:nvCxnSpPr>
-        <p:spPr>
-          <a:xfrm>
-            <a:off x="2500309" y="5679182"/>
-            <a:ext cx="925847" cy="342129"/>
-          </a:xfrm>
-          <a:prstGeom prst="line">
-            <a:avLst/>
-          </a:prstGeom>
-        </p:spPr>
-        <p:style>
-          <a:lnRef idx="1">
-            <a:schemeClr val="accent1"/>
-          </a:lnRef>
-          <a:fillRef idx="0">
-            <a:schemeClr val="accent1"/>
-          </a:fillRef>
-          <a:effectRef idx="0">
-            <a:schemeClr val="accent1"/>
-          </a:effectRef>
-          <a:fontRef idx="minor">
-            <a:schemeClr val="tx1"/>
-          </a:fontRef>
-        </p:style>
-      </p:cxnSp>
-      <p:cxnSp>
-        <p:nvCxnSpPr>
-          <p:cNvPr id="156" name="직선 연결선 155"/>
-          <p:cNvCxnSpPr>
-            <a:stCxn id="35" idx="0"/>
-            <a:endCxn id="13" idx="2"/>
-          </p:cNvCxnSpPr>
-          <p:nvPr/>
-        </p:nvCxnSpPr>
-        <p:spPr>
-          <a:xfrm flipV="1">
-            <a:off x="6907621" y="2806534"/>
-            <a:ext cx="1401343" cy="178340"/>
-          </a:xfrm>
-          <a:prstGeom prst="line">
-            <a:avLst/>
-          </a:prstGeom>
-        </p:spPr>
-        <p:style>
-          <a:lnRef idx="1">
-            <a:schemeClr val="accent1"/>
-          </a:lnRef>
-          <a:fillRef idx="0">
-            <a:schemeClr val="accent1"/>
-          </a:fillRef>
-          <a:effectRef idx="0">
-            <a:schemeClr val="accent1"/>
-          </a:effectRef>
-          <a:fontRef idx="minor">
-            <a:schemeClr val="tx1"/>
-          </a:fontRef>
-        </p:style>
-      </p:cxnSp>
-      <p:cxnSp>
-        <p:nvCxnSpPr>
-          <p:cNvPr id="159" name="직선 연결선 158"/>
-          <p:cNvCxnSpPr>
-            <a:stCxn id="36" idx="0"/>
-            <a:endCxn id="13" idx="2"/>
-          </p:cNvCxnSpPr>
-          <p:nvPr/>
-        </p:nvCxnSpPr>
-        <p:spPr>
-          <a:xfrm flipV="1">
-            <a:off x="7827595" y="2806534"/>
-            <a:ext cx="481369" cy="178340"/>
-          </a:xfrm>
-          <a:prstGeom prst="line">
-            <a:avLst/>
-          </a:prstGeom>
-        </p:spPr>
-        <p:style>
-          <a:lnRef idx="1">
-            <a:schemeClr val="accent1"/>
-          </a:lnRef>
-          <a:fillRef idx="0">
-            <a:schemeClr val="accent1"/>
-          </a:fillRef>
-          <a:effectRef idx="0">
-            <a:schemeClr val="accent1"/>
-          </a:effectRef>
-          <a:fontRef idx="minor">
-            <a:schemeClr val="tx1"/>
-          </a:fontRef>
-        </p:style>
-      </p:cxnSp>
-      <p:cxnSp>
-        <p:nvCxnSpPr>
-          <p:cNvPr id="162" name="직선 연결선 161"/>
-          <p:cNvCxnSpPr>
-            <a:stCxn id="37" idx="0"/>
-            <a:endCxn id="13" idx="2"/>
-          </p:cNvCxnSpPr>
-          <p:nvPr/>
-        </p:nvCxnSpPr>
-        <p:spPr>
-          <a:xfrm flipH="1" flipV="1">
-            <a:off x="8308964" y="2806534"/>
-            <a:ext cx="439109" cy="178340"/>
-          </a:xfrm>
-          <a:prstGeom prst="line">
-            <a:avLst/>
-          </a:prstGeom>
-        </p:spPr>
-        <p:style>
-          <a:lnRef idx="1">
-            <a:schemeClr val="accent1"/>
-          </a:lnRef>
-          <a:fillRef idx="0">
-            <a:schemeClr val="accent1"/>
-          </a:fillRef>
-          <a:effectRef idx="0">
-            <a:schemeClr val="accent1"/>
-          </a:effectRef>
-          <a:fontRef idx="minor">
-            <a:schemeClr val="tx1"/>
-          </a:fontRef>
-        </p:style>
-      </p:cxnSp>
-      <p:cxnSp>
-        <p:nvCxnSpPr>
-          <p:cNvPr id="165" name="직선 연결선 164"/>
-          <p:cNvCxnSpPr>
-            <a:stCxn id="38" idx="0"/>
-            <a:endCxn id="13" idx="2"/>
-          </p:cNvCxnSpPr>
-          <p:nvPr/>
-        </p:nvCxnSpPr>
-        <p:spPr>
-          <a:xfrm flipH="1" flipV="1">
-            <a:off x="8308964" y="2806534"/>
-            <a:ext cx="1359587" cy="178340"/>
-          </a:xfrm>
-          <a:prstGeom prst="line">
-            <a:avLst/>
-          </a:prstGeom>
-        </p:spPr>
-        <p:style>
-          <a:lnRef idx="1">
-            <a:schemeClr val="accent1"/>
-          </a:lnRef>
-          <a:fillRef idx="0">
-            <a:schemeClr val="accent1"/>
-          </a:fillRef>
-          <a:effectRef idx="0">
-            <a:schemeClr val="accent1"/>
-          </a:effectRef>
-          <a:fontRef idx="minor">
-            <a:schemeClr val="tx1"/>
-          </a:fontRef>
-        </p:style>
-      </p:cxnSp>
-      <p:cxnSp>
-        <p:nvCxnSpPr>
-          <p:cNvPr id="175" name="직선 연결선 174"/>
-          <p:cNvCxnSpPr>
-            <a:stCxn id="10" idx="2"/>
-            <a:endCxn id="33" idx="0"/>
-          </p:cNvCxnSpPr>
-          <p:nvPr/>
-        </p:nvCxnSpPr>
-        <p:spPr>
-          <a:xfrm>
-            <a:off x="1487767" y="3758291"/>
-            <a:ext cx="471" cy="277099"/>
-          </a:xfrm>
-          <a:prstGeom prst="line">
-            <a:avLst/>
-          </a:prstGeom>
-        </p:spPr>
-        <p:style>
-          <a:lnRef idx="1">
-            <a:schemeClr val="accent1"/>
-          </a:lnRef>
-          <a:fillRef idx="0">
-            <a:schemeClr val="accent1"/>
-          </a:fillRef>
-          <a:effectRef idx="0">
-            <a:schemeClr val="accent1"/>
-          </a:effectRef>
-          <a:fontRef idx="minor">
-            <a:schemeClr val="tx1"/>
-          </a:fontRef>
-        </p:style>
-      </p:cxnSp>
-      <p:cxnSp>
-        <p:nvCxnSpPr>
-          <p:cNvPr id="3" name="직선 연결선 2"/>
-          <p:cNvCxnSpPr>
-            <a:stCxn id="17" idx="3"/>
-            <a:endCxn id="17" idx="5"/>
-          </p:cNvCxnSpPr>
-          <p:nvPr/>
-        </p:nvCxnSpPr>
-        <p:spPr>
-          <a:xfrm>
-            <a:off x="2092334" y="1735898"/>
-            <a:ext cx="576183" cy="0"/>
-          </a:xfrm>
-          <a:prstGeom prst="line">
-            <a:avLst/>
-          </a:prstGeom>
-        </p:spPr>
-        <p:style>
-          <a:lnRef idx="2">
-            <a:schemeClr val="dk1"/>
-          </a:lnRef>
-          <a:fillRef idx="0">
-            <a:schemeClr val="dk1"/>
-          </a:fillRef>
-          <a:effectRef idx="1">
-            <a:schemeClr val="dk1"/>
-          </a:effectRef>
-          <a:fontRef idx="minor">
-            <a:schemeClr val="tx1"/>
-          </a:fontRef>
-        </p:style>
-      </p:cxnSp>
-      <p:cxnSp>
-        <p:nvCxnSpPr>
-          <p:cNvPr id="92" name="직선 연결선 91"/>
-          <p:cNvCxnSpPr>
-            <a:stCxn id="18" idx="3"/>
-            <a:endCxn id="18" idx="5"/>
-          </p:cNvCxnSpPr>
-          <p:nvPr/>
-        </p:nvCxnSpPr>
-        <p:spPr>
-          <a:xfrm>
-            <a:off x="3027890" y="1735898"/>
-            <a:ext cx="576183" cy="0"/>
-          </a:xfrm>
-          <a:prstGeom prst="line">
-            <a:avLst/>
-          </a:prstGeom>
-        </p:spPr>
-        <p:style>
-          <a:lnRef idx="2">
-            <a:schemeClr val="dk1"/>
-          </a:lnRef>
-          <a:fillRef idx="0">
-            <a:schemeClr val="dk1"/>
-          </a:fillRef>
-          <a:effectRef idx="1">
-            <a:schemeClr val="dk1"/>
-          </a:effectRef>
-          <a:fontRef idx="minor">
-            <a:schemeClr val="tx1"/>
-          </a:fontRef>
-        </p:style>
-      </p:cxnSp>
-      <p:cxnSp>
-        <p:nvCxnSpPr>
-          <p:cNvPr id="95" name="직선 연결선 94"/>
-          <p:cNvCxnSpPr>
-            <a:stCxn id="20" idx="3"/>
-            <a:endCxn id="20" idx="5"/>
-          </p:cNvCxnSpPr>
-          <p:nvPr/>
-        </p:nvCxnSpPr>
-        <p:spPr>
-          <a:xfrm>
-            <a:off x="5253485" y="1735899"/>
-            <a:ext cx="576183" cy="0"/>
-          </a:xfrm>
-          <a:prstGeom prst="line">
-            <a:avLst/>
-          </a:prstGeom>
-        </p:spPr>
-        <p:style>
-          <a:lnRef idx="2">
-            <a:schemeClr val="dk1"/>
-          </a:lnRef>
-          <a:fillRef idx="0">
-            <a:schemeClr val="dk1"/>
-          </a:fillRef>
-          <a:effectRef idx="1">
-            <a:schemeClr val="dk1"/>
-          </a:effectRef>
-          <a:fontRef idx="minor">
-            <a:schemeClr val="tx1"/>
-          </a:fontRef>
-        </p:style>
-      </p:cxnSp>
-      <p:cxnSp>
-        <p:nvCxnSpPr>
-          <p:cNvPr id="98" name="직선 연결선 97"/>
-          <p:cNvCxnSpPr>
-            <a:stCxn id="21" idx="3"/>
-            <a:endCxn id="21" idx="5"/>
-          </p:cNvCxnSpPr>
-          <p:nvPr/>
-        </p:nvCxnSpPr>
-        <p:spPr>
-          <a:xfrm>
-            <a:off x="6189041" y="1735898"/>
-            <a:ext cx="576183" cy="0"/>
-          </a:xfrm>
-          <a:prstGeom prst="line">
-            <a:avLst/>
-          </a:prstGeom>
-        </p:spPr>
-        <p:style>
-          <a:lnRef idx="2">
-            <a:schemeClr val="dk1"/>
-          </a:lnRef>
-          <a:fillRef idx="0">
-            <a:schemeClr val="dk1"/>
-          </a:fillRef>
-          <a:effectRef idx="1">
-            <a:schemeClr val="dk1"/>
-          </a:effectRef>
-          <a:fontRef idx="minor">
-            <a:schemeClr val="tx1"/>
-          </a:fontRef>
-        </p:style>
-      </p:cxnSp>
-      <p:cxnSp>
-        <p:nvCxnSpPr>
-          <p:cNvPr id="101" name="직선 연결선 100"/>
-          <p:cNvCxnSpPr>
-            <a:stCxn id="23" idx="3"/>
-            <a:endCxn id="23" idx="5"/>
-          </p:cNvCxnSpPr>
-          <p:nvPr/>
-        </p:nvCxnSpPr>
-        <p:spPr>
-          <a:xfrm>
-            <a:off x="8315072" y="1735897"/>
-            <a:ext cx="576183" cy="0"/>
-          </a:xfrm>
-          <a:prstGeom prst="line">
-            <a:avLst/>
-          </a:prstGeom>
-        </p:spPr>
-        <p:style>
-          <a:lnRef idx="2">
-            <a:schemeClr val="dk1"/>
-          </a:lnRef>
-          <a:fillRef idx="0">
-            <a:schemeClr val="dk1"/>
-          </a:fillRef>
-          <a:effectRef idx="1">
-            <a:schemeClr val="dk1"/>
-          </a:effectRef>
-          <a:fontRef idx="minor">
-            <a:schemeClr val="tx1"/>
-          </a:fontRef>
-        </p:style>
-      </p:cxnSp>
-      <p:cxnSp>
-        <p:nvCxnSpPr>
-          <p:cNvPr id="104" name="직선 연결선 103"/>
-          <p:cNvCxnSpPr>
-            <a:stCxn id="24" idx="3"/>
-            <a:endCxn id="24" idx="5"/>
-          </p:cNvCxnSpPr>
-          <p:nvPr/>
-        </p:nvCxnSpPr>
-        <p:spPr>
-          <a:xfrm>
-            <a:off x="9235046" y="1735897"/>
-            <a:ext cx="576183" cy="0"/>
-          </a:xfrm>
-          <a:prstGeom prst="line">
-            <a:avLst/>
-          </a:prstGeom>
-        </p:spPr>
-        <p:style>
-          <a:lnRef idx="2">
-            <a:schemeClr val="dk1"/>
-          </a:lnRef>
-          <a:fillRef idx="0">
-            <a:schemeClr val="dk1"/>
-          </a:fillRef>
-          <a:effectRef idx="1">
-            <a:schemeClr val="dk1"/>
-          </a:effectRef>
-          <a:fontRef idx="minor">
-            <a:schemeClr val="tx1"/>
-          </a:fontRef>
-        </p:style>
-      </p:cxnSp>
-      <p:cxnSp>
-        <p:nvCxnSpPr>
-          <p:cNvPr id="106" name="직선 연결선 105"/>
-          <p:cNvCxnSpPr/>
-          <p:nvPr/>
-        </p:nvCxnSpPr>
-        <p:spPr>
-          <a:xfrm>
-            <a:off x="3656780" y="5371506"/>
-            <a:ext cx="576183" cy="0"/>
-          </a:xfrm>
-          <a:prstGeom prst="line">
-            <a:avLst/>
-          </a:prstGeom>
-        </p:spPr>
-        <p:style>
-          <a:lnRef idx="2">
-            <a:schemeClr val="dk1"/>
-          </a:lnRef>
-          <a:fillRef idx="0">
-            <a:schemeClr val="dk1"/>
-          </a:fillRef>
-          <a:effectRef idx="1">
-            <a:schemeClr val="dk1"/>
-          </a:effectRef>
-          <a:fontRef idx="minor">
-            <a:schemeClr val="tx1"/>
-          </a:fontRef>
-        </p:style>
-      </p:cxnSp>
-      <p:cxnSp>
-        <p:nvCxnSpPr>
-          <p:cNvPr id="108" name="직선 연결선 107"/>
-          <p:cNvCxnSpPr>
-            <a:stCxn id="35" idx="3"/>
-            <a:endCxn id="35" idx="5"/>
-          </p:cNvCxnSpPr>
-          <p:nvPr/>
-        </p:nvCxnSpPr>
-        <p:spPr>
-          <a:xfrm>
-            <a:off x="6619529" y="3574354"/>
-            <a:ext cx="576183" cy="0"/>
-          </a:xfrm>
-          <a:prstGeom prst="line">
-            <a:avLst/>
-          </a:prstGeom>
-        </p:spPr>
-        <p:style>
-          <a:lnRef idx="2">
-            <a:schemeClr val="dk1"/>
-          </a:lnRef>
-          <a:fillRef idx="0">
-            <a:schemeClr val="dk1"/>
-          </a:fillRef>
-          <a:effectRef idx="1">
-            <a:schemeClr val="dk1"/>
-          </a:effectRef>
-          <a:fontRef idx="minor">
-            <a:schemeClr val="tx1"/>
-          </a:fontRef>
-        </p:style>
-      </p:cxnSp>
-      <p:cxnSp>
-        <p:nvCxnSpPr>
-          <p:cNvPr id="111" name="직선 연결선 110"/>
-          <p:cNvCxnSpPr>
-            <a:stCxn id="36" idx="3"/>
-            <a:endCxn id="36" idx="5"/>
-          </p:cNvCxnSpPr>
-          <p:nvPr/>
-        </p:nvCxnSpPr>
-        <p:spPr>
-          <a:xfrm>
-            <a:off x="7539503" y="3574354"/>
-            <a:ext cx="576183" cy="0"/>
-          </a:xfrm>
-          <a:prstGeom prst="line">
-            <a:avLst/>
-          </a:prstGeom>
-        </p:spPr>
-        <p:style>
-          <a:lnRef idx="2">
-            <a:schemeClr val="dk1"/>
-          </a:lnRef>
-          <a:fillRef idx="0">
-            <a:schemeClr val="dk1"/>
-          </a:fillRef>
-          <a:effectRef idx="1">
-            <a:schemeClr val="dk1"/>
-          </a:effectRef>
-          <a:fontRef idx="minor">
-            <a:schemeClr val="tx1"/>
-          </a:fontRef>
-        </p:style>
-      </p:cxnSp>
-      <p:cxnSp>
-        <p:nvCxnSpPr>
-          <p:cNvPr id="114" name="직선 연결선 113"/>
-          <p:cNvCxnSpPr>
-            <a:stCxn id="47" idx="3"/>
-            <a:endCxn id="47" idx="5"/>
-          </p:cNvCxnSpPr>
-          <p:nvPr/>
-        </p:nvCxnSpPr>
-        <p:spPr>
-          <a:xfrm>
-            <a:off x="3294905" y="2766527"/>
-            <a:ext cx="576183" cy="0"/>
-          </a:xfrm>
-          <a:prstGeom prst="line">
-            <a:avLst/>
-          </a:prstGeom>
-        </p:spPr>
-        <p:style>
-          <a:lnRef idx="2">
-            <a:schemeClr val="dk1"/>
-          </a:lnRef>
-          <a:fillRef idx="0">
-            <a:schemeClr val="dk1"/>
-          </a:fillRef>
-          <a:effectRef idx="1">
-            <a:schemeClr val="dk1"/>
-          </a:effectRef>
-          <a:fontRef idx="minor">
-            <a:schemeClr val="tx1"/>
-          </a:fontRef>
-        </p:style>
-      </p:cxnSp>
-      <p:cxnSp>
-        <p:nvCxnSpPr>
-          <p:cNvPr id="115" name="직선 연결선 114"/>
-          <p:cNvCxnSpPr>
-            <a:stCxn id="48" idx="3"/>
-            <a:endCxn id="48" idx="5"/>
-          </p:cNvCxnSpPr>
-          <p:nvPr/>
-        </p:nvCxnSpPr>
-        <p:spPr>
-          <a:xfrm>
-            <a:off x="4214879" y="2766527"/>
-            <a:ext cx="576183" cy="0"/>
-          </a:xfrm>
-          <a:prstGeom prst="line">
-            <a:avLst/>
-          </a:prstGeom>
-        </p:spPr>
-        <p:style>
-          <a:lnRef idx="2">
-            <a:schemeClr val="dk1"/>
-          </a:lnRef>
-          <a:fillRef idx="0">
-            <a:schemeClr val="dk1"/>
-          </a:fillRef>
-          <a:effectRef idx="1">
-            <a:schemeClr val="dk1"/>
-          </a:effectRef>
-          <a:fontRef idx="minor">
-            <a:schemeClr val="tx1"/>
-          </a:fontRef>
-        </p:style>
-      </p:cxnSp>
-      <p:cxnSp>
-        <p:nvCxnSpPr>
-          <p:cNvPr id="121" name="직선 연결선 120"/>
-          <p:cNvCxnSpPr>
-            <a:stCxn id="40" idx="3"/>
-            <a:endCxn id="40" idx="5"/>
-          </p:cNvCxnSpPr>
-          <p:nvPr/>
-        </p:nvCxnSpPr>
-        <p:spPr>
-          <a:xfrm>
-            <a:off x="4576754" y="5428761"/>
-            <a:ext cx="576183" cy="0"/>
-          </a:xfrm>
-          <a:prstGeom prst="line">
-            <a:avLst/>
-          </a:prstGeom>
-        </p:spPr>
-        <p:style>
-          <a:lnRef idx="2">
-            <a:schemeClr val="dk1"/>
-          </a:lnRef>
-          <a:fillRef idx="0">
-            <a:schemeClr val="dk1"/>
-          </a:fillRef>
-          <a:effectRef idx="1">
-            <a:schemeClr val="dk1"/>
-          </a:effectRef>
-          <a:fontRef idx="minor">
-            <a:schemeClr val="tx1"/>
-          </a:fontRef>
-        </p:style>
-      </p:cxnSp>
-      <p:cxnSp>
-        <p:nvCxnSpPr>
-          <p:cNvPr id="124" name="직선 연결선 123"/>
-          <p:cNvCxnSpPr>
-            <a:stCxn id="43" idx="3"/>
-            <a:endCxn id="43" idx="5"/>
-          </p:cNvCxnSpPr>
-          <p:nvPr/>
-        </p:nvCxnSpPr>
-        <p:spPr>
-          <a:xfrm>
-            <a:off x="377134" y="6610791"/>
-            <a:ext cx="576183" cy="0"/>
-          </a:xfrm>
-          <a:prstGeom prst="line">
-            <a:avLst/>
-          </a:prstGeom>
-        </p:spPr>
-        <p:style>
-          <a:lnRef idx="2">
-            <a:schemeClr val="dk1"/>
-          </a:lnRef>
-          <a:fillRef idx="0">
-            <a:schemeClr val="dk1"/>
-          </a:fillRef>
-          <a:effectRef idx="1">
-            <a:schemeClr val="dk1"/>
-          </a:effectRef>
-          <a:fontRef idx="minor">
-            <a:schemeClr val="tx1"/>
-          </a:fontRef>
-        </p:style>
-      </p:cxnSp>
-      <p:cxnSp>
-        <p:nvCxnSpPr>
-          <p:cNvPr id="127" name="직선 연결선 126"/>
-          <p:cNvCxnSpPr>
-            <a:stCxn id="44" idx="3"/>
-            <a:endCxn id="44" idx="5"/>
-          </p:cNvCxnSpPr>
-          <p:nvPr/>
-        </p:nvCxnSpPr>
-        <p:spPr>
-          <a:xfrm>
-            <a:off x="1297108" y="6610791"/>
-            <a:ext cx="576183" cy="0"/>
-          </a:xfrm>
-          <a:prstGeom prst="line">
-            <a:avLst/>
-          </a:prstGeom>
-        </p:spPr>
-        <p:style>
-          <a:lnRef idx="2">
-            <a:schemeClr val="dk1"/>
-          </a:lnRef>
-          <a:fillRef idx="0">
-            <a:schemeClr val="dk1"/>
-          </a:fillRef>
-          <a:effectRef idx="1">
-            <a:schemeClr val="dk1"/>
-          </a:effectRef>
-          <a:fontRef idx="minor">
-            <a:schemeClr val="tx1"/>
-          </a:fontRef>
-        </p:style>
-      </p:cxnSp>
-      <p:cxnSp>
-        <p:nvCxnSpPr>
-          <p:cNvPr id="130" name="직선 연결선 129"/>
-          <p:cNvCxnSpPr>
-            <a:stCxn id="50" idx="3"/>
-            <a:endCxn id="50" idx="5"/>
-          </p:cNvCxnSpPr>
-          <p:nvPr/>
-        </p:nvCxnSpPr>
-        <p:spPr>
-          <a:xfrm>
-            <a:off x="9491703" y="5485710"/>
-            <a:ext cx="576183" cy="0"/>
-          </a:xfrm>
-          <a:prstGeom prst="line">
-            <a:avLst/>
-          </a:prstGeom>
-        </p:spPr>
-        <p:style>
-          <a:lnRef idx="2">
-            <a:schemeClr val="dk1"/>
-          </a:lnRef>
-          <a:fillRef idx="0">
-            <a:schemeClr val="dk1"/>
-          </a:fillRef>
-          <a:effectRef idx="1">
-            <a:schemeClr val="dk1"/>
-          </a:effectRef>
-          <a:fontRef idx="minor">
-            <a:schemeClr val="tx1"/>
-          </a:fontRef>
-        </p:style>
-      </p:cxnSp>
-      <p:sp>
-        <p:nvSpPr>
-          <p:cNvPr id="142" name="타원 141"/>
-          <p:cNvSpPr/>
-          <p:nvPr/>
-        </p:nvSpPr>
-        <p:spPr>
-          <a:xfrm>
-            <a:off x="3936285" y="6021311"/>
-            <a:ext cx="814845" cy="690619"/>
-          </a:xfrm>
-          <a:prstGeom prst="ellipse">
-            <a:avLst/>
-          </a:prstGeom>
-          <a:solidFill>
-            <a:schemeClr val="bg2">
-              <a:lumMod val="75000"/>
-            </a:schemeClr>
-          </a:solidFill>
-          <a:ln>
-            <a:noFill/>
-          </a:ln>
-        </p:spPr>
-        <p:style>
-          <a:lnRef idx="2">
-            <a:schemeClr val="accent1">
-              <a:shade val="50000"/>
-            </a:schemeClr>
-          </a:lnRef>
-          <a:fillRef idx="1">
-            <a:schemeClr val="accent1"/>
-          </a:fillRef>
-          <a:effectRef idx="0">
-            <a:schemeClr val="accent1"/>
-          </a:effectRef>
-          <a:fontRef idx="minor">
-            <a:schemeClr val="lt1"/>
-          </a:fontRef>
-        </p:style>
-        <p:txBody>
-          <a:bodyPr rtlCol="0" anchor="ctr"/>
-          <a:lstStyle/>
-          <a:p>
-            <a:pPr algn="ctr"/>
-            <a:r>
               <a:rPr lang="en-US" altLang="ko-KR" sz="1200" dirty="0" smtClean="0"/>
               <a:t>Index</a:t>
             </a:r>
-            <a:endParaRPr lang="ko-KR" altLang="en-US" sz="1200" dirty="0"/>
-          </a:p>
-        </p:txBody>
-      </p:sp>
-      <p:cxnSp>
-        <p:nvCxnSpPr>
-          <p:cNvPr id="143" name="직선 연결선 142"/>
-          <p:cNvCxnSpPr>
-            <a:stCxn id="8" idx="2"/>
-            <a:endCxn id="142" idx="0"/>
-          </p:cNvCxnSpPr>
-          <p:nvPr/>
-        </p:nvCxnSpPr>
-        <p:spPr>
-          <a:xfrm>
-            <a:off x="2500309" y="5679182"/>
-            <a:ext cx="1843399" cy="342129"/>
-          </a:xfrm>
-          <a:prstGeom prst="line">
-            <a:avLst/>
-          </a:prstGeom>
-        </p:spPr>
-        <p:style>
-          <a:lnRef idx="1">
-            <a:schemeClr val="accent1"/>
-          </a:lnRef>
-          <a:fillRef idx="0">
-            <a:schemeClr val="accent1"/>
-          </a:fillRef>
-          <a:effectRef idx="0">
-            <a:schemeClr val="accent1"/>
-          </a:effectRef>
-          <a:fontRef idx="minor">
-            <a:schemeClr val="tx1"/>
-          </a:fontRef>
-        </p:style>
-      </p:cxnSp>
-      <p:cxnSp>
-        <p:nvCxnSpPr>
-          <p:cNvPr id="158" name="직선 연결선 157"/>
-          <p:cNvCxnSpPr>
-            <a:stCxn id="42" idx="3"/>
-            <a:endCxn id="42" idx="5"/>
-          </p:cNvCxnSpPr>
-          <p:nvPr/>
-        </p:nvCxnSpPr>
-        <p:spPr>
-          <a:xfrm>
-            <a:off x="6430903" y="5428761"/>
-            <a:ext cx="576183" cy="0"/>
-          </a:xfrm>
-          <a:prstGeom prst="line">
-            <a:avLst/>
-          </a:prstGeom>
-        </p:spPr>
-        <p:style>
-          <a:lnRef idx="2">
-            <a:schemeClr val="dk1"/>
-          </a:lnRef>
-          <a:fillRef idx="0">
-            <a:schemeClr val="dk1"/>
-          </a:fillRef>
-          <a:effectRef idx="1">
-            <a:schemeClr val="dk1"/>
-          </a:effectRef>
-          <a:fontRef idx="minor">
-            <a:schemeClr val="tx1"/>
-          </a:fontRef>
-        </p:style>
-      </p:cxnSp>
+          </a:p>
+        </p:txBody>
+      </p:sp>
       <p:cxnSp>
         <p:nvCxnSpPr>
           <p:cNvPr id="163" name="직선 연결선 162"/>
           <p:cNvCxnSpPr>
-            <a:stCxn id="32" idx="3"/>
-            <a:endCxn id="32" idx="5"/>
+            <a:stCxn id="128" idx="3"/>
+            <a:endCxn id="128" idx="5"/>
           </p:cNvCxnSpPr>
           <p:nvPr/>
         </p:nvCxnSpPr>
         <p:spPr>
           <a:xfrm>
-            <a:off x="264590" y="4624871"/>
+            <a:off x="6549212" y="4638745"/>
             <a:ext cx="576183" cy="0"/>
           </a:xfrm>
           <a:prstGeom prst="line">
@@ -6977,360 +6918,17 @@
       </p:cxnSp>
       <p:cxnSp>
         <p:nvCxnSpPr>
-          <p:cNvPr id="166" name="직선 연결선 165"/>
+          <p:cNvPr id="140" name="직선 연결선 139"/>
           <p:cNvCxnSpPr>
-            <a:stCxn id="34" idx="3"/>
-            <a:endCxn id="34" idx="5"/>
+            <a:stCxn id="10" idx="2"/>
+            <a:endCxn id="128" idx="0"/>
           </p:cNvCxnSpPr>
           <p:nvPr/>
         </p:nvCxnSpPr>
         <p:spPr>
           <a:xfrm>
-            <a:off x="2117562" y="4624870"/>
-            <a:ext cx="576183" cy="0"/>
-          </a:xfrm>
-          <a:prstGeom prst="line">
-            <a:avLst/>
-          </a:prstGeom>
-        </p:spPr>
-        <p:style>
-          <a:lnRef idx="2">
-            <a:schemeClr val="dk1"/>
-          </a:lnRef>
-          <a:fillRef idx="0">
-            <a:schemeClr val="dk1"/>
-          </a:fillRef>
-          <a:effectRef idx="1">
-            <a:schemeClr val="dk1"/>
-          </a:effectRef>
-          <a:fontRef idx="minor">
-            <a:schemeClr val="tx1"/>
-          </a:fontRef>
-        </p:style>
-      </p:cxnSp>
-      <p:cxnSp>
-        <p:nvCxnSpPr>
-          <p:cNvPr id="169" name="직선 연결선 168"/>
-          <p:cNvCxnSpPr>
-            <a:stCxn id="27" idx="3"/>
-            <a:endCxn id="27" idx="5"/>
-          </p:cNvCxnSpPr>
-          <p:nvPr/>
-        </p:nvCxnSpPr>
-        <p:spPr>
-          <a:xfrm>
-            <a:off x="11166234" y="2724536"/>
-            <a:ext cx="576183" cy="0"/>
-          </a:xfrm>
-          <a:prstGeom prst="line">
-            <a:avLst/>
-          </a:prstGeom>
-        </p:spPr>
-        <p:style>
-          <a:lnRef idx="2">
-            <a:schemeClr val="dk1"/>
-          </a:lnRef>
-          <a:fillRef idx="0">
-            <a:schemeClr val="dk1"/>
-          </a:fillRef>
-          <a:effectRef idx="1">
-            <a:schemeClr val="dk1"/>
-          </a:effectRef>
-          <a:fontRef idx="minor">
-            <a:schemeClr val="tx1"/>
-          </a:fontRef>
-        </p:style>
-      </p:cxnSp>
-      <p:cxnSp>
-        <p:nvCxnSpPr>
-          <p:cNvPr id="173" name="직선 연결선 172"/>
-          <p:cNvCxnSpPr>
-            <a:stCxn id="38" idx="3"/>
-            <a:endCxn id="38" idx="5"/>
-          </p:cNvCxnSpPr>
-          <p:nvPr/>
-        </p:nvCxnSpPr>
-        <p:spPr>
-          <a:xfrm>
-            <a:off x="9380459" y="3574354"/>
-            <a:ext cx="576183" cy="0"/>
-          </a:xfrm>
-          <a:prstGeom prst="line">
-            <a:avLst/>
-          </a:prstGeom>
-        </p:spPr>
-        <p:style>
-          <a:lnRef idx="2">
-            <a:schemeClr val="dk1"/>
-          </a:lnRef>
-          <a:fillRef idx="0">
-            <a:schemeClr val="dk1"/>
-          </a:fillRef>
-          <a:effectRef idx="1">
-            <a:schemeClr val="dk1"/>
-          </a:effectRef>
-          <a:fontRef idx="minor">
-            <a:schemeClr val="tx1"/>
-          </a:fontRef>
-        </p:style>
-      </p:cxnSp>
-      <p:cxnSp>
-        <p:nvCxnSpPr>
-          <p:cNvPr id="176" name="직선 연결선 175"/>
-          <p:cNvCxnSpPr>
-            <a:stCxn id="52" idx="3"/>
-            <a:endCxn id="52" idx="5"/>
-          </p:cNvCxnSpPr>
-          <p:nvPr/>
-        </p:nvCxnSpPr>
-        <p:spPr>
-          <a:xfrm>
-            <a:off x="11332155" y="5485710"/>
-            <a:ext cx="576183" cy="0"/>
-          </a:xfrm>
-          <a:prstGeom prst="line">
-            <a:avLst/>
-          </a:prstGeom>
-        </p:spPr>
-        <p:style>
-          <a:lnRef idx="2">
-            <a:schemeClr val="dk1"/>
-          </a:lnRef>
-          <a:fillRef idx="0">
-            <a:schemeClr val="dk1"/>
-          </a:fillRef>
-          <a:effectRef idx="1">
-            <a:schemeClr val="dk1"/>
-          </a:effectRef>
-          <a:fontRef idx="minor">
-            <a:schemeClr val="tx1"/>
-          </a:fontRef>
-        </p:style>
-      </p:cxnSp>
-      <p:cxnSp>
-        <p:nvCxnSpPr>
-          <p:cNvPr id="179" name="직선 연결선 178"/>
-          <p:cNvCxnSpPr>
-            <a:stCxn id="46" idx="3"/>
-            <a:endCxn id="46" idx="5"/>
-          </p:cNvCxnSpPr>
-          <p:nvPr/>
-        </p:nvCxnSpPr>
-        <p:spPr>
-          <a:xfrm>
-            <a:off x="3138064" y="6610791"/>
-            <a:ext cx="576183" cy="0"/>
-          </a:xfrm>
-          <a:prstGeom prst="line">
-            <a:avLst/>
-          </a:prstGeom>
-        </p:spPr>
-        <p:style>
-          <a:lnRef idx="2">
-            <a:schemeClr val="dk1"/>
-          </a:lnRef>
-          <a:fillRef idx="0">
-            <a:schemeClr val="dk1"/>
-          </a:fillRef>
-          <a:effectRef idx="1">
-            <a:schemeClr val="dk1"/>
-          </a:effectRef>
-          <a:fontRef idx="minor">
-            <a:schemeClr val="tx1"/>
-          </a:fontRef>
-        </p:style>
-      </p:cxnSp>
-      <p:cxnSp>
-        <p:nvCxnSpPr>
-          <p:cNvPr id="182" name="직선 연결선 181"/>
-          <p:cNvCxnSpPr>
-            <a:stCxn id="142" idx="3"/>
-            <a:endCxn id="142" idx="5"/>
-          </p:cNvCxnSpPr>
-          <p:nvPr/>
-        </p:nvCxnSpPr>
-        <p:spPr>
-          <a:xfrm>
-            <a:off x="4055616" y="6610791"/>
-            <a:ext cx="576183" cy="0"/>
-          </a:xfrm>
-          <a:prstGeom prst="line">
-            <a:avLst/>
-          </a:prstGeom>
-        </p:spPr>
-        <p:style>
-          <a:lnRef idx="2">
-            <a:schemeClr val="dk1"/>
-          </a:lnRef>
-          <a:fillRef idx="0">
-            <a:schemeClr val="dk1"/>
-          </a:fillRef>
-          <a:effectRef idx="1">
-            <a:schemeClr val="dk1"/>
-          </a:effectRef>
-          <a:fontRef idx="minor">
-            <a:schemeClr val="tx1"/>
-          </a:fontRef>
-        </p:style>
-      </p:cxnSp>
-      <p:sp>
-        <p:nvSpPr>
-          <p:cNvPr id="192" name="타원 191"/>
-          <p:cNvSpPr/>
-          <p:nvPr/>
-        </p:nvSpPr>
-        <p:spPr>
-          <a:xfrm>
-            <a:off x="8169215" y="4839281"/>
-            <a:ext cx="814845" cy="690619"/>
-          </a:xfrm>
-          <a:prstGeom prst="ellipse">
-            <a:avLst/>
-          </a:prstGeom>
-          <a:solidFill>
-            <a:schemeClr val="bg2">
-              <a:lumMod val="75000"/>
-            </a:schemeClr>
-          </a:solidFill>
-          <a:ln>
-            <a:noFill/>
-          </a:ln>
-        </p:spPr>
-        <p:style>
-          <a:lnRef idx="2">
-            <a:schemeClr val="accent1">
-              <a:shade val="50000"/>
-            </a:schemeClr>
-          </a:lnRef>
-          <a:fillRef idx="1">
-            <a:schemeClr val="accent1"/>
-          </a:fillRef>
-          <a:effectRef idx="0">
-            <a:schemeClr val="accent1"/>
-          </a:effectRef>
-          <a:fontRef idx="minor">
-            <a:schemeClr val="lt1"/>
-          </a:fontRef>
-        </p:style>
-        <p:txBody>
-          <a:bodyPr rtlCol="0" anchor="ctr"/>
-          <a:lstStyle/>
-          <a:p>
-            <a:pPr algn="ctr"/>
-            <a:r>
-              <a:rPr lang="ko-KR" altLang="en-US" sz="1200" dirty="0" smtClean="0"/>
-              <a:t>일기</a:t>
-            </a:r>
-            <a:endParaRPr lang="ko-KR" altLang="en-US" sz="1200" dirty="0"/>
-          </a:p>
-        </p:txBody>
-      </p:sp>
-      <p:sp>
-        <p:nvSpPr>
-          <p:cNvPr id="193" name="타원 192"/>
-          <p:cNvSpPr/>
-          <p:nvPr/>
-        </p:nvSpPr>
-        <p:spPr>
-          <a:xfrm>
-            <a:off x="7238647" y="4839281"/>
-            <a:ext cx="814845" cy="690619"/>
-          </a:xfrm>
-          <a:prstGeom prst="ellipse">
-            <a:avLst/>
-          </a:prstGeom>
-          <a:solidFill>
-            <a:schemeClr val="bg2">
-              <a:lumMod val="75000"/>
-            </a:schemeClr>
-          </a:solidFill>
-          <a:ln>
-            <a:noFill/>
-          </a:ln>
-        </p:spPr>
-        <p:style>
-          <a:lnRef idx="2">
-            <a:schemeClr val="accent1">
-              <a:shade val="50000"/>
-            </a:schemeClr>
-          </a:lnRef>
-          <a:fillRef idx="1">
-            <a:schemeClr val="accent1"/>
-          </a:fillRef>
-          <a:effectRef idx="0">
-            <a:schemeClr val="accent1"/>
-          </a:effectRef>
-          <a:fontRef idx="minor">
-            <a:schemeClr val="lt1"/>
-          </a:fontRef>
-        </p:style>
-        <p:txBody>
-          <a:bodyPr rtlCol="0" anchor="ctr"/>
-          <a:lstStyle/>
-          <a:p>
-            <a:pPr algn="ctr"/>
-            <a:r>
-              <a:rPr lang="ko-KR" altLang="en-US" sz="1200" dirty="0" smtClean="0"/>
-              <a:t>일기</a:t>
-            </a:r>
-            <a:endParaRPr lang="en-US" altLang="ko-KR" sz="1200" dirty="0" smtClean="0"/>
-          </a:p>
-          <a:p>
-            <a:pPr algn="ctr"/>
-            <a:r>
-              <a:rPr lang="ko-KR" altLang="en-US" sz="1200" dirty="0" smtClean="0"/>
-              <a:t>제목</a:t>
-            </a:r>
-            <a:endParaRPr lang="ko-KR" altLang="en-US" sz="1200" dirty="0"/>
-          </a:p>
-        </p:txBody>
-      </p:sp>
-      <p:cxnSp>
-        <p:nvCxnSpPr>
-          <p:cNvPr id="201" name="직선 연결선 200"/>
-          <p:cNvCxnSpPr>
-            <a:stCxn id="11" idx="2"/>
-            <a:endCxn id="193" idx="0"/>
-          </p:cNvCxnSpPr>
-          <p:nvPr/>
-        </p:nvCxnSpPr>
-        <p:spPr>
-          <a:xfrm>
-            <a:off x="6274955" y="4418252"/>
-            <a:ext cx="1371115" cy="421029"/>
-          </a:xfrm>
-          <a:prstGeom prst="line">
-            <a:avLst/>
-          </a:prstGeom>
-        </p:spPr>
-        <p:style>
-          <a:lnRef idx="1">
-            <a:schemeClr val="accent1"/>
-          </a:lnRef>
-          <a:fillRef idx="0">
-            <a:schemeClr val="accent1"/>
-          </a:fillRef>
-          <a:effectRef idx="0">
-            <a:schemeClr val="accent1"/>
-          </a:effectRef>
-          <a:fontRef idx="minor">
-            <a:schemeClr val="tx1"/>
-          </a:fontRef>
-        </p:style>
-      </p:cxnSp>
-      <p:cxnSp>
-        <p:nvCxnSpPr>
-          <p:cNvPr id="205" name="직선 연결선 204"/>
-          <p:cNvCxnSpPr>
-            <a:stCxn id="11" idx="2"/>
-            <a:endCxn id="192" idx="0"/>
-          </p:cNvCxnSpPr>
-          <p:nvPr/>
-        </p:nvCxnSpPr>
-        <p:spPr>
-          <a:xfrm>
-            <a:off x="6274955" y="4418252"/>
-            <a:ext cx="2301683" cy="421029"/>
+            <a:off x="5412744" y="3705876"/>
+            <a:ext cx="1424560" cy="343389"/>
           </a:xfrm>
           <a:prstGeom prst="line">
             <a:avLst/>
